--- a/mvc/slides/w3_WebAPI_Hosting.pptx
+++ b/mvc/slides/w3_WebAPI_Hosting.pptx
@@ -2,7 +2,7 @@
 <file path=ppt/presentation.xml><?xml version="1.0" encoding="utf-8"?>
 <p:presentation xmlns:a="http://schemas.openxmlformats.org/drawingml/2006/main" xmlns:r="http://schemas.openxmlformats.org/officeDocument/2006/relationships" xmlns:p="http://schemas.openxmlformats.org/presentationml/2006/main" saveSubsetFonts="1">
   <p:sldMasterIdLst>
-    <p:sldMasterId id="2147483751" r:id="rId4"/>
+    <p:sldMasterId id="2147483754" r:id="rId4"/>
   </p:sldMasterIdLst>
   <p:notesMasterIdLst>
     <p:notesMasterId r:id="rId15"/>
@@ -255,7 +255,7 @@
             <a:fld id="{923FAA13-3E1B-4A40-BCE0-2A4101C91A56}" type="datetimeFigureOut">
               <a:rPr lang="en-US" smtClean="0"/>
               <a:pPr/>
-              <a:t>3/16/2013</a:t>
+              <a:t>3/25/2013</a:t>
             </a:fld>
             <a:endParaRPr lang="en-US"/>
           </a:p>
@@ -805,272 +805,1913 @@
           <a:chExt cx="0" cy="0"/>
         </a:xfrm>
       </p:grpSpPr>
+      <p:sp>
+        <p:nvSpPr>
+          <p:cNvPr id="32780" name="Title 32779"/>
+          <p:cNvSpPr>
+            <a:spLocks noGrp="1" noChangeArrowheads="1"/>
+          </p:cNvSpPr>
+          <p:nvPr>
+            <p:ph type="ctrTitle"/>
+          </p:nvPr>
+        </p:nvSpPr>
+        <p:spPr>
+          <a:xfrm>
+            <a:off x="685800" y="1219200"/>
+            <a:ext cx="7772400" cy="1933575"/>
+          </a:xfrm>
+          <a:noFill/>
+        </p:spPr>
+        <p:txBody>
+          <a:bodyPr anchor="b"/>
+          <a:lstStyle>
+            <a:lvl1pPr algn="r">
+              <a:defRPr sz="3200" b="1">
+                <a:latin typeface="Myriad Pro" pitchFamily="34" charset="0"/>
+                <a:cs typeface="Segoe UI" pitchFamily="34" charset="0"/>
+              </a:defRPr>
+            </a:lvl1pPr>
+          </a:lstStyle>
+          <a:p>
+            <a:r>
+              <a:rPr lang="en-US" smtClean="0"/>
+              <a:t>Click to edit Master title style</a:t>
+            </a:r>
+            <a:endParaRPr lang="en-US" dirty="0"/>
+          </a:p>
+        </p:txBody>
+      </p:sp>
+      <p:sp>
+        <p:nvSpPr>
+          <p:cNvPr id="32781" name="Subtitle 32780"/>
+          <p:cNvSpPr>
+            <a:spLocks noGrp="1" noChangeArrowheads="1"/>
+          </p:cNvSpPr>
+          <p:nvPr>
+            <p:ph type="subTitle" idx="1"/>
+          </p:nvPr>
+        </p:nvSpPr>
+        <p:spPr>
+          <a:xfrm>
+            <a:off x="2057400" y="3505200"/>
+            <a:ext cx="6400800" cy="1752600"/>
+          </a:xfrm>
+        </p:spPr>
+        <p:txBody>
+          <a:bodyPr/>
+          <a:lstStyle>
+            <a:lvl1pPr marL="0" indent="0" algn="r">
+              <a:buNone/>
+              <a:defRPr b="0">
+                <a:latin typeface="Myriad Pro" pitchFamily="34" charset="0"/>
+                <a:cs typeface="Segoe UI" pitchFamily="34" charset="0"/>
+              </a:defRPr>
+            </a:lvl1pPr>
+          </a:lstStyle>
+          <a:p>
+            <a:r>
+              <a:rPr lang="en-US" smtClean="0"/>
+              <a:t>Click to edit Master subtitle style</a:t>
+            </a:r>
+            <a:endParaRPr lang="en-US" dirty="0"/>
+          </a:p>
+        </p:txBody>
+      </p:sp>
       <p:pic>
         <p:nvPicPr>
-          <p:cNvPr id="10" name="Picture 9" descr="wintellect-title_slide-v4a-blank.jpg"/>
+          <p:cNvPr id="9" name="Picture 6" descr="http://www.odetocode.com/">
+            <a:hlinkClick r:id="rId2"/>
+          </p:cNvPr>
           <p:cNvPicPr>
-            <a:picLocks noChangeAspect="1"/>
+            <a:picLocks noChangeAspect="1" noChangeArrowheads="1"/>
           </p:cNvPicPr>
           <p:nvPr userDrawn="1"/>
         </p:nvPicPr>
         <p:blipFill>
-          <a:blip r:embed="rId2" cstate="email">
-            <a:extLst>
-              <a:ext uri="{28A0092B-C50C-407E-A947-70E740481C1C}">
-                <a14:useLocalDpi xmlns:a14="http://schemas.microsoft.com/office/drawing/2010/main" val="0"/>
-              </a:ext>
-            </a:extLst>
-          </a:blip>
+          <a:blip r:embed="rId3"/>
+          <a:srcRect r="26934"/>
           <a:stretch>
             <a:fillRect/>
           </a:stretch>
         </p:blipFill>
+        <p:spPr bwMode="auto">
+          <a:xfrm>
+            <a:off x="7620000" y="6248400"/>
+            <a:ext cx="1295400" cy="439103"/>
+          </a:xfrm>
+          <a:prstGeom prst="rect">
+            <a:avLst/>
+          </a:prstGeom>
+          <a:ln w="38100" cap="sq">
+            <a:solidFill>
+              <a:srgbClr val="000000"/>
+            </a:solidFill>
+            <a:prstDash val="solid"/>
+            <a:miter lim="800000"/>
+          </a:ln>
+          <a:effectLst>
+            <a:outerShdw blurRad="50800" dist="38100" dir="2700000" algn="tl" rotWithShape="0">
+              <a:srgbClr val="000000">
+                <a:alpha val="43000"/>
+              </a:srgbClr>
+            </a:outerShdw>
+          </a:effectLst>
+        </p:spPr>
+      </p:pic>
+    </p:spTree>
+    <p:extLst>
+      <p:ext uri="{BB962C8B-B14F-4D97-AF65-F5344CB8AC3E}">
+        <p14:creationId xmlns:p14="http://schemas.microsoft.com/office/powerpoint/2010/main" val="489441441"/>
+      </p:ext>
+    </p:extLst>
+  </p:cSld>
+  <p:clrMapOvr>
+    <a:masterClrMapping/>
+  </p:clrMapOvr>
+  <p:transition>
+    <p:fade/>
+  </p:transition>
+</p:sldLayout>
+</file>
+
+<file path=ppt/slideLayouts/slideLayout10.xml><?xml version="1.0" encoding="utf-8"?>
+<p:sldLayout xmlns:a="http://schemas.openxmlformats.org/drawingml/2006/main" xmlns:r="http://schemas.openxmlformats.org/officeDocument/2006/relationships" xmlns:p="http://schemas.openxmlformats.org/presentationml/2006/main" preserve="1" userDrawn="1">
+  <p:cSld name="3_Code Sample">
+    <p:spTree>
+      <p:nvGrpSpPr>
+        <p:cNvPr id="1" name=""/>
+        <p:cNvGrpSpPr/>
+        <p:nvPr/>
+      </p:nvGrpSpPr>
+      <p:grpSpPr>
+        <a:xfrm>
+          <a:off x="0" y="0"/>
+          <a:ext cx="0" cy="0"/>
+          <a:chOff x="0" y="0"/>
+          <a:chExt cx="0" cy="0"/>
+        </a:xfrm>
+      </p:grpSpPr>
+      <p:sp>
+        <p:nvSpPr>
+          <p:cNvPr id="2" name="Title 1"/>
+          <p:cNvSpPr>
+            <a:spLocks noGrp="1"/>
+          </p:cNvSpPr>
+          <p:nvPr>
+            <p:ph type="title"/>
+          </p:nvPr>
+        </p:nvSpPr>
+        <p:spPr/>
+        <p:txBody>
+          <a:bodyPr/>
+          <a:lstStyle/>
+          <a:p>
+            <a:r>
+              <a:rPr lang="en-US" smtClean="0"/>
+              <a:t>Click to edit Master title style</a:t>
+            </a:r>
+            <a:endParaRPr lang="en-US"/>
+          </a:p>
+        </p:txBody>
+      </p:sp>
+      <p:sp>
+        <p:nvSpPr>
+          <p:cNvPr id="5" name="Text Placeholder 4"/>
+          <p:cNvSpPr>
+            <a:spLocks noGrp="1"/>
+          </p:cNvSpPr>
+          <p:nvPr>
+            <p:ph type="body" sz="quarter" idx="10"/>
+          </p:nvPr>
+        </p:nvSpPr>
         <p:spPr>
           <a:xfrm>
-            <a:off x="0" y="0"/>
-            <a:ext cx="9144000" cy="6858000"/>
+            <a:off x="1485900" y="1600200"/>
+            <a:ext cx="6172200" cy="3962400"/>
+          </a:xfrm>
+          <a:solidFill>
+            <a:schemeClr val="accent2"/>
+          </a:solidFill>
+          <a:ln w="9525">
+            <a:solidFill>
+              <a:schemeClr val="tx1"/>
+            </a:solidFill>
+          </a:ln>
+        </p:spPr>
+        <p:txBody>
+          <a:bodyPr/>
+          <a:lstStyle>
+            <a:lvl1pPr>
+              <a:buNone/>
+              <a:defRPr sz="1800" b="0">
+                <a:latin typeface="Consolas" pitchFamily="49" charset="0"/>
+              </a:defRPr>
+            </a:lvl1pPr>
+          </a:lstStyle>
+          <a:p>
+            <a:pPr lvl="0"/>
+            <a:r>
+              <a:rPr lang="en-US" smtClean="0"/>
+              <a:t>Click to edit Master text styles</a:t>
+            </a:r>
+          </a:p>
+        </p:txBody>
+      </p:sp>
+    </p:spTree>
+    <p:extLst>
+      <p:ext uri="{BB962C8B-B14F-4D97-AF65-F5344CB8AC3E}">
+        <p14:creationId xmlns:p14="http://schemas.microsoft.com/office/powerpoint/2010/main" val="1242927000"/>
+      </p:ext>
+    </p:extLst>
+  </p:cSld>
+  <p:clrMapOvr>
+    <a:masterClrMapping/>
+  </p:clrMapOvr>
+  <p:transition>
+    <p:fade/>
+  </p:transition>
+</p:sldLayout>
+</file>
+
+<file path=ppt/slideLayouts/slideLayout11.xml><?xml version="1.0" encoding="utf-8"?>
+<p:sldLayout xmlns:a="http://schemas.openxmlformats.org/drawingml/2006/main" xmlns:r="http://schemas.openxmlformats.org/officeDocument/2006/relationships" xmlns:p="http://schemas.openxmlformats.org/presentationml/2006/main" preserve="1" userDrawn="1">
+  <p:cSld name="3_Blank">
+    <p:spTree>
+      <p:nvGrpSpPr>
+        <p:cNvPr id="1" name=""/>
+        <p:cNvGrpSpPr/>
+        <p:nvPr/>
+      </p:nvGrpSpPr>
+      <p:grpSpPr>
+        <a:xfrm>
+          <a:off x="0" y="0"/>
+          <a:ext cx="0" cy="0"/>
+          <a:chOff x="0" y="0"/>
+          <a:chExt cx="0" cy="0"/>
+        </a:xfrm>
+      </p:grpSpPr>
+      <p:sp>
+        <p:nvSpPr>
+          <p:cNvPr id="2" name="Title 1"/>
+          <p:cNvSpPr>
+            <a:spLocks noGrp="1"/>
+          </p:cNvSpPr>
+          <p:nvPr>
+            <p:ph type="title"/>
+          </p:nvPr>
+        </p:nvSpPr>
+        <p:spPr/>
+        <p:txBody>
+          <a:bodyPr rtlCol="0"/>
+          <a:lstStyle/>
+          <a:p>
+            <a:r>
+              <a:rPr lang="en-US" smtClean="0"/>
+              <a:t>Click to edit Master title style</a:t>
+            </a:r>
+            <a:endParaRPr lang="en-US"/>
+          </a:p>
+        </p:txBody>
+      </p:sp>
+    </p:spTree>
+    <p:extLst>
+      <p:ext uri="{BB962C8B-B14F-4D97-AF65-F5344CB8AC3E}">
+        <p14:creationId xmlns:p14="http://schemas.microsoft.com/office/powerpoint/2010/main" val="2147896364"/>
+      </p:ext>
+    </p:extLst>
+  </p:cSld>
+  <p:clrMapOvr>
+    <a:masterClrMapping/>
+  </p:clrMapOvr>
+  <p:transition>
+    <p:fade/>
+  </p:transition>
+</p:sldLayout>
+</file>
+
+<file path=ppt/slideLayouts/slideLayout12.xml><?xml version="1.0" encoding="utf-8"?>
+<p:sldLayout xmlns:a="http://schemas.openxmlformats.org/drawingml/2006/main" xmlns:r="http://schemas.openxmlformats.org/officeDocument/2006/relationships" xmlns:p="http://schemas.openxmlformats.org/presentationml/2006/main" userDrawn="1">
+  <p:cSld name="4_Blank">
+    <p:spTree>
+      <p:nvGrpSpPr>
+        <p:cNvPr id="1" name=""/>
+        <p:cNvGrpSpPr/>
+        <p:nvPr/>
+      </p:nvGrpSpPr>
+      <p:grpSpPr>
+        <a:xfrm>
+          <a:off x="0" y="0"/>
+          <a:ext cx="0" cy="0"/>
+          <a:chOff x="0" y="0"/>
+          <a:chExt cx="0" cy="0"/>
+        </a:xfrm>
+      </p:grpSpPr>
+      <p:sp>
+        <p:nvSpPr>
+          <p:cNvPr id="5" name="Title Placeholder 1"/>
+          <p:cNvSpPr>
+            <a:spLocks noGrp="1"/>
+          </p:cNvSpPr>
+          <p:nvPr>
+            <p:ph type="title"/>
+          </p:nvPr>
+        </p:nvSpPr>
+        <p:spPr>
+          <a:xfrm>
+            <a:off x="189778" y="107576"/>
+            <a:ext cx="8761270" cy="1228078"/>
           </a:xfrm>
           <a:prstGeom prst="rect">
             <a:avLst/>
           </a:prstGeom>
         </p:spPr>
-      </p:pic>
-      <p:sp>
-        <p:nvSpPr>
-          <p:cNvPr id="2" name="Title 1"/>
-          <p:cNvSpPr>
-            <a:spLocks noGrp="1"/>
-          </p:cNvSpPr>
-          <p:nvPr>
-            <p:ph type="ctrTitle"/>
+        <p:txBody>
+          <a:bodyPr vert="horz" lIns="91440" tIns="45720" rIns="91440" bIns="45720" rtlCol="0" anchor="ctr" anchorCtr="0">
+            <a:noAutofit/>
+          </a:bodyPr>
+          <a:lstStyle/>
+          <a:p>
+            <a:r>
+              <a:rPr lang="en-US" dirty="0" smtClean="0"/>
+              <a:t>Click to edit Master title style</a:t>
+            </a:r>
+            <a:endParaRPr dirty="0"/>
+          </a:p>
+        </p:txBody>
+      </p:sp>
+      <p:sp>
+        <p:nvSpPr>
+          <p:cNvPr id="7" name="Date Placeholder 3"/>
+          <p:cNvSpPr>
+            <a:spLocks noGrp="1"/>
+          </p:cNvSpPr>
+          <p:nvPr>
+            <p:ph type="dt" sz="half" idx="2"/>
           </p:nvPr>
         </p:nvSpPr>
         <p:spPr>
           <a:xfrm>
-            <a:off x="911964" y="3510683"/>
-            <a:ext cx="7664530" cy="912311"/>
+            <a:off x="5616077" y="6319462"/>
+            <a:ext cx="995340" cy="365125"/>
           </a:xfrm>
+          <a:prstGeom prst="rect">
+            <a:avLst/>
+          </a:prstGeom>
         </p:spPr>
         <p:txBody>
-          <a:bodyPr vert="horz" lIns="91440" tIns="45720" rIns="91440" bIns="45720" rtlCol="0" anchor="t" anchorCtr="0">
-            <a:noAutofit/>
-          </a:bodyPr>
+          <a:bodyPr vert="horz" lIns="91440" tIns="45720" rIns="91440" bIns="45720" rtlCol="0" anchor="ctr"/>
           <a:lstStyle>
-            <a:lvl1pPr marL="0" indent="0" algn="l" defTabSz="914400" rtl="0" eaLnBrk="1" latinLnBrk="0" hangingPunct="1">
-              <a:spcBef>
-                <a:spcPct val="0"/>
-              </a:spcBef>
-              <a:buClr>
-                <a:schemeClr val="accent1">
-                  <a:lumMod val="60000"/>
-                  <a:lumOff val="40000"/>
-                </a:schemeClr>
-              </a:buClr>
-              <a:buSzPct val="110000"/>
-              <a:buFont typeface="Wingdings 2" pitchFamily="18" charset="2"/>
-              <a:buNone/>
-              <a:defRPr sz="2000" kern="1200">
+            <a:lvl1pPr algn="r">
+              <a:defRPr sz="1000">
                 <a:solidFill>
-                  <a:srgbClr val="595959"/>
+                  <a:srgbClr val="A6A6A6"/>
                 </a:solidFill>
-                <a:latin typeface="Segoe UI"/>
-                <a:ea typeface="+mj-ea"/>
-                <a:cs typeface="Segoe UI"/>
               </a:defRPr>
             </a:lvl1pPr>
           </a:lstStyle>
           <a:p>
-            <a:r>
-              <a:rPr lang="en-US" dirty="0" smtClean="0"/>
-              <a:t>Click to edit Master title style</a:t>
-            </a:r>
-            <a:endParaRPr dirty="0"/>
-          </a:p>
-        </p:txBody>
-      </p:sp>
-      <p:sp>
-        <p:nvSpPr>
-          <p:cNvPr id="3" name="Subtitle 2"/>
-          <p:cNvSpPr>
-            <a:spLocks noGrp="1"/>
-          </p:cNvSpPr>
-          <p:nvPr>
-            <p:ph type="subTitle" idx="1"/>
+            <a:fld id="{B01F9CA3-105E-4857-9057-6DB6197DA786}" type="datetimeFigureOut">
+              <a:rPr lang="en-US" smtClean="0"/>
+              <a:pPr/>
+              <a:t>3/25/2013</a:t>
+            </a:fld>
+            <a:endParaRPr lang="en-US"/>
+          </a:p>
+        </p:txBody>
+      </p:sp>
+      <p:sp>
+        <p:nvSpPr>
+          <p:cNvPr id="8" name="Slide Number Placeholder 5"/>
+          <p:cNvSpPr>
+            <a:spLocks noGrp="1"/>
+          </p:cNvSpPr>
+          <p:nvPr>
+            <p:ph type="sldNum" sz="quarter" idx="4"/>
           </p:nvPr>
         </p:nvSpPr>
         <p:spPr>
           <a:xfrm>
-            <a:off x="911964" y="4431753"/>
-            <a:ext cx="3365333" cy="1122525"/>
+            <a:off x="6618716" y="6319462"/>
+            <a:ext cx="578238" cy="365125"/>
+          </a:xfrm>
+          <a:prstGeom prst="rect">
+            <a:avLst/>
+          </a:prstGeom>
+        </p:spPr>
+        <p:txBody>
+          <a:bodyPr vert="horz" lIns="91440" tIns="45720" rIns="91440" bIns="45720" rtlCol="0" anchor="ctr"/>
+          <a:lstStyle>
+            <a:lvl1pPr algn="r">
+              <a:defRPr sz="1200">
+                <a:solidFill>
+                  <a:srgbClr val="A6A6A6"/>
+                </a:solidFill>
+              </a:defRPr>
+            </a:lvl1pPr>
+          </a:lstStyle>
+          <a:p>
+            <a:fld id="{7F5CE407-6216-4202-80E4-A30DC2F709B2}" type="slidenum">
+              <a:rPr lang="en-US" smtClean="0"/>
+              <a:pPr/>
+              <a:t>‹#›</a:t>
+            </a:fld>
+            <a:endParaRPr lang="en-US" dirty="0"/>
+          </a:p>
+        </p:txBody>
+      </p:sp>
+      <p:sp>
+        <p:nvSpPr>
+          <p:cNvPr id="10" name="Content Placeholder 2"/>
+          <p:cNvSpPr>
+            <a:spLocks noGrp="1"/>
+          </p:cNvSpPr>
+          <p:nvPr>
+            <p:ph idx="1"/>
+          </p:nvPr>
+        </p:nvSpPr>
+        <p:spPr>
+          <a:xfrm>
+            <a:off x="189778" y="1601996"/>
+            <a:ext cx="8761270" cy="4343400"/>
           </a:xfrm>
         </p:spPr>
         <p:txBody>
-          <a:bodyPr vert="horz" lIns="91440" tIns="45720" rIns="91440" bIns="45720" rtlCol="0">
-            <a:normAutofit/>
-          </a:bodyPr>
+          <a:bodyPr/>
           <a:lstStyle>
-            <a:lvl1pPr marL="0" indent="0" algn="l" defTabSz="914400" rtl="0" eaLnBrk="1" latinLnBrk="0" hangingPunct="1">
-              <a:spcBef>
-                <a:spcPts val="300"/>
-              </a:spcBef>
-              <a:buClr>
-                <a:schemeClr val="accent1">
-                  <a:lumMod val="60000"/>
-                  <a:lumOff val="40000"/>
-                </a:schemeClr>
-              </a:buClr>
-              <a:buSzPct val="110000"/>
-              <a:buFont typeface="Wingdings 2" pitchFamily="18" charset="2"/>
-              <a:buNone/>
-              <a:defRPr sz="1200" kern="1200">
-                <a:solidFill>
-                  <a:srgbClr val="595959"/>
-                </a:solidFill>
-                <a:latin typeface="Segoe UI"/>
-                <a:ea typeface="+mn-ea"/>
-                <a:cs typeface="Segoe UI"/>
-              </a:defRPr>
-            </a:lvl1pPr>
-            <a:lvl2pPr marL="457200" indent="0" algn="ctr">
-              <a:buNone/>
-              <a:defRPr>
-                <a:solidFill>
-                  <a:schemeClr val="tx1">
-                    <a:tint val="75000"/>
-                  </a:schemeClr>
-                </a:solidFill>
-              </a:defRPr>
-            </a:lvl2pPr>
-            <a:lvl3pPr marL="914400" indent="0" algn="ctr">
-              <a:buNone/>
-              <a:defRPr>
-                <a:solidFill>
-                  <a:schemeClr val="tx1">
-                    <a:tint val="75000"/>
-                  </a:schemeClr>
-                </a:solidFill>
-              </a:defRPr>
-            </a:lvl3pPr>
-            <a:lvl4pPr marL="1371600" indent="0" algn="ctr">
-              <a:buNone/>
-              <a:defRPr>
-                <a:solidFill>
-                  <a:schemeClr val="tx1">
-                    <a:tint val="75000"/>
-                  </a:schemeClr>
-                </a:solidFill>
-              </a:defRPr>
-            </a:lvl4pPr>
-            <a:lvl5pPr marL="1828800" indent="0" algn="ctr">
-              <a:buNone/>
-              <a:defRPr>
-                <a:solidFill>
-                  <a:schemeClr val="tx1">
-                    <a:tint val="75000"/>
-                  </a:schemeClr>
-                </a:solidFill>
-              </a:defRPr>
+            <a:lvl5pPr>
+              <a:defRPr/>
             </a:lvl5pPr>
-            <a:lvl6pPr marL="2286000" indent="0" algn="ctr">
-              <a:buNone/>
-              <a:defRPr>
-                <a:solidFill>
-                  <a:schemeClr val="tx1">
-                    <a:tint val="75000"/>
-                  </a:schemeClr>
-                </a:solidFill>
-              </a:defRPr>
-            </a:lvl6pPr>
-            <a:lvl7pPr marL="2743200" indent="0" algn="ctr">
-              <a:buNone/>
-              <a:defRPr>
-                <a:solidFill>
-                  <a:schemeClr val="tx1">
-                    <a:tint val="75000"/>
-                  </a:schemeClr>
-                </a:solidFill>
-              </a:defRPr>
-            </a:lvl7pPr>
-            <a:lvl8pPr marL="3200400" indent="0" algn="ctr">
-              <a:buNone/>
-              <a:defRPr>
-                <a:solidFill>
-                  <a:schemeClr val="tx1">
-                    <a:tint val="75000"/>
-                  </a:schemeClr>
-                </a:solidFill>
-              </a:defRPr>
-            </a:lvl8pPr>
-            <a:lvl9pPr marL="3657600" indent="0" algn="ctr">
-              <a:buNone/>
-              <a:defRPr>
-                <a:solidFill>
-                  <a:schemeClr val="tx1">
-                    <a:tint val="75000"/>
-                  </a:schemeClr>
-                </a:solidFill>
-              </a:defRPr>
-            </a:lvl9pPr>
           </a:lstStyle>
           <a:p>
-            <a:r>
-              <a:rPr lang="en-US" dirty="0" smtClean="0"/>
-              <a:t>Click to edit Master subtitle style</a:t>
+            <a:pPr lvl="0"/>
+            <a:r>
+              <a:rPr lang="en-US" dirty="0" smtClean="0"/>
+              <a:t>Click to edit Master text styles</a:t>
+            </a:r>
+          </a:p>
+          <a:p>
+            <a:pPr lvl="1"/>
+            <a:r>
+              <a:rPr lang="en-US" dirty="0" smtClean="0"/>
+              <a:t>Second level</a:t>
+            </a:r>
+          </a:p>
+          <a:p>
+            <a:pPr lvl="2"/>
+            <a:r>
+              <a:rPr lang="en-US" dirty="0" smtClean="0"/>
+              <a:t>Third level</a:t>
+            </a:r>
+          </a:p>
+          <a:p>
+            <a:pPr lvl="3"/>
+            <a:r>
+              <a:rPr lang="en-US" dirty="0" smtClean="0"/>
+              <a:t>Fourth level</a:t>
+            </a:r>
+          </a:p>
+          <a:p>
+            <a:pPr lvl="4"/>
+            <a:r>
+              <a:rPr lang="en-US" dirty="0" smtClean="0"/>
+              <a:t>Fifth level</a:t>
             </a:r>
             <a:endParaRPr dirty="0"/>
-          </a:p>
-        </p:txBody>
-      </p:sp>
-      <p:sp>
-        <p:nvSpPr>
-          <p:cNvPr id="4" name="Date Placeholder 3"/>
-          <p:cNvSpPr>
-            <a:spLocks noGrp="1"/>
-          </p:cNvSpPr>
-          <p:nvPr>
-            <p:ph type="dt" sz="half" idx="10"/>
-          </p:nvPr>
-        </p:nvSpPr>
-        <p:spPr/>
-        <p:txBody>
-          <a:bodyPr/>
-          <a:lstStyle/>
-          <a:p>
-            <a:fld id="{B01F9CA3-105E-4857-9057-6DB6197DA786}" type="datetimeFigureOut">
-              <a:rPr lang="en-US" smtClean="0"/>
-              <a:t>3/16/2013</a:t>
-            </a:fld>
-            <a:endParaRPr lang="en-US"/>
-          </a:p>
-        </p:txBody>
-      </p:sp>
-      <p:sp>
-        <p:nvSpPr>
-          <p:cNvPr id="6" name="Slide Number Placeholder 5"/>
-          <p:cNvSpPr>
-            <a:spLocks noGrp="1"/>
-          </p:cNvSpPr>
-          <p:nvPr>
-            <p:ph type="sldNum" sz="quarter" idx="12"/>
-          </p:nvPr>
-        </p:nvSpPr>
-        <p:spPr/>
-        <p:txBody>
-          <a:bodyPr/>
-          <a:lstStyle/>
-          <a:p>
-            <a:fld id="{7F5CE407-6216-4202-80E4-A30DC2F709B2}" type="slidenum">
-              <a:rPr lang="en-US" smtClean="0"/>
-              <a:t>‹#›</a:t>
-            </a:fld>
-            <a:endParaRPr lang="en-US"/>
           </a:p>
         </p:txBody>
       </p:sp>
     </p:spTree>
     <p:extLst>
       <p:ext uri="{BB962C8B-B14F-4D97-AF65-F5344CB8AC3E}">
-        <p14:creationId xmlns:p14="http://schemas.microsoft.com/office/powerpoint/2010/main" val="2157739585"/>
+        <p14:creationId xmlns:p14="http://schemas.microsoft.com/office/powerpoint/2010/main" val="1699608879"/>
+      </p:ext>
+    </p:extLst>
+  </p:cSld>
+  <p:clrMapOvr>
+    <a:masterClrMapping/>
+  </p:clrMapOvr>
+</p:sldLayout>
+</file>
+
+<file path=ppt/slideLayouts/slideLayout13.xml><?xml version="1.0" encoding="utf-8"?>
+<p:sldLayout xmlns:a="http://schemas.openxmlformats.org/drawingml/2006/main" xmlns:r="http://schemas.openxmlformats.org/officeDocument/2006/relationships" xmlns:p="http://schemas.openxmlformats.org/presentationml/2006/main" userDrawn="1">
+  <p:cSld name="5_Blank">
+    <p:spTree>
+      <p:nvGrpSpPr>
+        <p:cNvPr id="1" name=""/>
+        <p:cNvGrpSpPr/>
+        <p:nvPr/>
+      </p:nvGrpSpPr>
+      <p:grpSpPr>
+        <a:xfrm>
+          <a:off x="0" y="0"/>
+          <a:ext cx="0" cy="0"/>
+          <a:chOff x="0" y="0"/>
+          <a:chExt cx="0" cy="0"/>
+        </a:xfrm>
+      </p:grpSpPr>
+      <p:sp>
+        <p:nvSpPr>
+          <p:cNvPr id="5" name="Title Placeholder 1"/>
+          <p:cNvSpPr>
+            <a:spLocks noGrp="1"/>
+          </p:cNvSpPr>
+          <p:nvPr>
+            <p:ph type="title"/>
+          </p:nvPr>
+        </p:nvSpPr>
+        <p:spPr>
+          <a:xfrm>
+            <a:off x="189778" y="107576"/>
+            <a:ext cx="8761270" cy="1228078"/>
+          </a:xfrm>
+          <a:prstGeom prst="rect">
+            <a:avLst/>
+          </a:prstGeom>
+        </p:spPr>
+        <p:txBody>
+          <a:bodyPr vert="horz" lIns="91440" tIns="45720" rIns="91440" bIns="45720" rtlCol="0" anchor="ctr" anchorCtr="0">
+            <a:noAutofit/>
+          </a:bodyPr>
+          <a:lstStyle/>
+          <a:p>
+            <a:r>
+              <a:rPr lang="en-US" dirty="0" smtClean="0"/>
+              <a:t>Click to edit Master title style</a:t>
+            </a:r>
+            <a:endParaRPr dirty="0"/>
+          </a:p>
+        </p:txBody>
+      </p:sp>
+      <p:sp>
+        <p:nvSpPr>
+          <p:cNvPr id="7" name="Date Placeholder 3"/>
+          <p:cNvSpPr>
+            <a:spLocks noGrp="1"/>
+          </p:cNvSpPr>
+          <p:nvPr>
+            <p:ph type="dt" sz="half" idx="2"/>
+          </p:nvPr>
+        </p:nvSpPr>
+        <p:spPr>
+          <a:xfrm>
+            <a:off x="5616077" y="6319462"/>
+            <a:ext cx="995340" cy="365125"/>
+          </a:xfrm>
+          <a:prstGeom prst="rect">
+            <a:avLst/>
+          </a:prstGeom>
+        </p:spPr>
+        <p:txBody>
+          <a:bodyPr vert="horz" lIns="91440" tIns="45720" rIns="91440" bIns="45720" rtlCol="0" anchor="ctr"/>
+          <a:lstStyle>
+            <a:lvl1pPr algn="r">
+              <a:defRPr sz="1000">
+                <a:solidFill>
+                  <a:srgbClr val="A6A6A6"/>
+                </a:solidFill>
+              </a:defRPr>
+            </a:lvl1pPr>
+          </a:lstStyle>
+          <a:p>
+            <a:fld id="{B01F9CA3-105E-4857-9057-6DB6197DA786}" type="datetimeFigureOut">
+              <a:rPr lang="en-US" smtClean="0"/>
+              <a:pPr/>
+              <a:t>3/25/2013</a:t>
+            </a:fld>
+            <a:endParaRPr lang="en-US"/>
+          </a:p>
+        </p:txBody>
+      </p:sp>
+      <p:sp>
+        <p:nvSpPr>
+          <p:cNvPr id="8" name="Slide Number Placeholder 5"/>
+          <p:cNvSpPr>
+            <a:spLocks noGrp="1"/>
+          </p:cNvSpPr>
+          <p:nvPr>
+            <p:ph type="sldNum" sz="quarter" idx="4"/>
+          </p:nvPr>
+        </p:nvSpPr>
+        <p:spPr>
+          <a:xfrm>
+            <a:off x="6618716" y="6319462"/>
+            <a:ext cx="578238" cy="365125"/>
+          </a:xfrm>
+          <a:prstGeom prst="rect">
+            <a:avLst/>
+          </a:prstGeom>
+        </p:spPr>
+        <p:txBody>
+          <a:bodyPr vert="horz" lIns="91440" tIns="45720" rIns="91440" bIns="45720" rtlCol="0" anchor="ctr"/>
+          <a:lstStyle>
+            <a:lvl1pPr algn="r">
+              <a:defRPr sz="1200">
+                <a:solidFill>
+                  <a:srgbClr val="A6A6A6"/>
+                </a:solidFill>
+              </a:defRPr>
+            </a:lvl1pPr>
+          </a:lstStyle>
+          <a:p>
+            <a:fld id="{7F5CE407-6216-4202-80E4-A30DC2F709B2}" type="slidenum">
+              <a:rPr lang="en-US" smtClean="0"/>
+              <a:pPr/>
+              <a:t>‹#›</a:t>
+            </a:fld>
+            <a:endParaRPr lang="en-US" dirty="0"/>
+          </a:p>
+        </p:txBody>
+      </p:sp>
+      <p:sp>
+        <p:nvSpPr>
+          <p:cNvPr id="10" name="Content Placeholder 2"/>
+          <p:cNvSpPr>
+            <a:spLocks noGrp="1"/>
+          </p:cNvSpPr>
+          <p:nvPr>
+            <p:ph idx="1"/>
+          </p:nvPr>
+        </p:nvSpPr>
+        <p:spPr>
+          <a:xfrm>
+            <a:off x="189778" y="1601996"/>
+            <a:ext cx="8761270" cy="4343400"/>
+          </a:xfrm>
+        </p:spPr>
+        <p:txBody>
+          <a:bodyPr/>
+          <a:lstStyle>
+            <a:lvl5pPr>
+              <a:defRPr/>
+            </a:lvl5pPr>
+          </a:lstStyle>
+          <a:p>
+            <a:pPr lvl="0"/>
+            <a:r>
+              <a:rPr lang="en-US" dirty="0" smtClean="0"/>
+              <a:t>Click to edit Master text styles</a:t>
+            </a:r>
+          </a:p>
+          <a:p>
+            <a:pPr lvl="1"/>
+            <a:r>
+              <a:rPr lang="en-US" dirty="0" smtClean="0"/>
+              <a:t>Second level</a:t>
+            </a:r>
+          </a:p>
+          <a:p>
+            <a:pPr lvl="2"/>
+            <a:r>
+              <a:rPr lang="en-US" dirty="0" smtClean="0"/>
+              <a:t>Third level</a:t>
+            </a:r>
+          </a:p>
+          <a:p>
+            <a:pPr lvl="3"/>
+            <a:r>
+              <a:rPr lang="en-US" dirty="0" smtClean="0"/>
+              <a:t>Fourth level</a:t>
+            </a:r>
+          </a:p>
+          <a:p>
+            <a:pPr lvl="4"/>
+            <a:r>
+              <a:rPr lang="en-US" dirty="0" smtClean="0"/>
+              <a:t>Fifth level</a:t>
+            </a:r>
+            <a:endParaRPr dirty="0"/>
+          </a:p>
+        </p:txBody>
+      </p:sp>
+    </p:spTree>
+    <p:extLst>
+      <p:ext uri="{BB962C8B-B14F-4D97-AF65-F5344CB8AC3E}">
+        <p14:creationId xmlns:p14="http://schemas.microsoft.com/office/powerpoint/2010/main" val="1699608879"/>
+      </p:ext>
+    </p:extLst>
+  </p:cSld>
+  <p:clrMapOvr>
+    <a:masterClrMapping/>
+  </p:clrMapOvr>
+</p:sldLayout>
+</file>
+
+<file path=ppt/slideLayouts/slideLayout14.xml><?xml version="1.0" encoding="utf-8"?>
+<p:sldLayout xmlns:a="http://schemas.openxmlformats.org/drawingml/2006/main" xmlns:r="http://schemas.openxmlformats.org/officeDocument/2006/relationships" xmlns:p="http://schemas.openxmlformats.org/presentationml/2006/main" userDrawn="1">
+  <p:cSld name="6_Blank">
+    <p:spTree>
+      <p:nvGrpSpPr>
+        <p:cNvPr id="1" name=""/>
+        <p:cNvGrpSpPr/>
+        <p:nvPr/>
+      </p:nvGrpSpPr>
+      <p:grpSpPr>
+        <a:xfrm>
+          <a:off x="0" y="0"/>
+          <a:ext cx="0" cy="0"/>
+          <a:chOff x="0" y="0"/>
+          <a:chExt cx="0" cy="0"/>
+        </a:xfrm>
+      </p:grpSpPr>
+      <p:sp>
+        <p:nvSpPr>
+          <p:cNvPr id="5" name="Title Placeholder 1"/>
+          <p:cNvSpPr>
+            <a:spLocks noGrp="1"/>
+          </p:cNvSpPr>
+          <p:nvPr>
+            <p:ph type="title"/>
+          </p:nvPr>
+        </p:nvSpPr>
+        <p:spPr>
+          <a:xfrm>
+            <a:off x="189778" y="107576"/>
+            <a:ext cx="8761270" cy="1228078"/>
+          </a:xfrm>
+          <a:prstGeom prst="rect">
+            <a:avLst/>
+          </a:prstGeom>
+        </p:spPr>
+        <p:txBody>
+          <a:bodyPr vert="horz" lIns="91440" tIns="45720" rIns="91440" bIns="45720" rtlCol="0" anchor="ctr" anchorCtr="0">
+            <a:noAutofit/>
+          </a:bodyPr>
+          <a:lstStyle/>
+          <a:p>
+            <a:r>
+              <a:rPr lang="en-US" dirty="0" smtClean="0"/>
+              <a:t>Click to edit Master title style</a:t>
+            </a:r>
+            <a:endParaRPr dirty="0"/>
+          </a:p>
+        </p:txBody>
+      </p:sp>
+      <p:sp>
+        <p:nvSpPr>
+          <p:cNvPr id="7" name="Date Placeholder 3"/>
+          <p:cNvSpPr>
+            <a:spLocks noGrp="1"/>
+          </p:cNvSpPr>
+          <p:nvPr>
+            <p:ph type="dt" sz="half" idx="2"/>
+          </p:nvPr>
+        </p:nvSpPr>
+        <p:spPr>
+          <a:xfrm>
+            <a:off x="5616077" y="6319462"/>
+            <a:ext cx="995340" cy="365125"/>
+          </a:xfrm>
+          <a:prstGeom prst="rect">
+            <a:avLst/>
+          </a:prstGeom>
+        </p:spPr>
+        <p:txBody>
+          <a:bodyPr vert="horz" lIns="91440" tIns="45720" rIns="91440" bIns="45720" rtlCol="0" anchor="ctr"/>
+          <a:lstStyle>
+            <a:lvl1pPr algn="r">
+              <a:defRPr sz="1000">
+                <a:solidFill>
+                  <a:srgbClr val="A6A6A6"/>
+                </a:solidFill>
+              </a:defRPr>
+            </a:lvl1pPr>
+          </a:lstStyle>
+          <a:p>
+            <a:fld id="{B01F9CA3-105E-4857-9057-6DB6197DA786}" type="datetimeFigureOut">
+              <a:rPr lang="en-US" smtClean="0"/>
+              <a:pPr/>
+              <a:t>3/25/2013</a:t>
+            </a:fld>
+            <a:endParaRPr lang="en-US"/>
+          </a:p>
+        </p:txBody>
+      </p:sp>
+      <p:sp>
+        <p:nvSpPr>
+          <p:cNvPr id="8" name="Slide Number Placeholder 5"/>
+          <p:cNvSpPr>
+            <a:spLocks noGrp="1"/>
+          </p:cNvSpPr>
+          <p:nvPr>
+            <p:ph type="sldNum" sz="quarter" idx="4"/>
+          </p:nvPr>
+        </p:nvSpPr>
+        <p:spPr>
+          <a:xfrm>
+            <a:off x="6618716" y="6319462"/>
+            <a:ext cx="578238" cy="365125"/>
+          </a:xfrm>
+          <a:prstGeom prst="rect">
+            <a:avLst/>
+          </a:prstGeom>
+        </p:spPr>
+        <p:txBody>
+          <a:bodyPr vert="horz" lIns="91440" tIns="45720" rIns="91440" bIns="45720" rtlCol="0" anchor="ctr"/>
+          <a:lstStyle>
+            <a:lvl1pPr algn="r">
+              <a:defRPr sz="1200">
+                <a:solidFill>
+                  <a:srgbClr val="A6A6A6"/>
+                </a:solidFill>
+              </a:defRPr>
+            </a:lvl1pPr>
+          </a:lstStyle>
+          <a:p>
+            <a:fld id="{7F5CE407-6216-4202-80E4-A30DC2F709B2}" type="slidenum">
+              <a:rPr lang="en-US" smtClean="0"/>
+              <a:pPr/>
+              <a:t>‹#›</a:t>
+            </a:fld>
+            <a:endParaRPr lang="en-US" dirty="0"/>
+          </a:p>
+        </p:txBody>
+      </p:sp>
+      <p:sp>
+        <p:nvSpPr>
+          <p:cNvPr id="10" name="Content Placeholder 2"/>
+          <p:cNvSpPr>
+            <a:spLocks noGrp="1"/>
+          </p:cNvSpPr>
+          <p:nvPr>
+            <p:ph idx="1"/>
+          </p:nvPr>
+        </p:nvSpPr>
+        <p:spPr>
+          <a:xfrm>
+            <a:off x="189778" y="1601996"/>
+            <a:ext cx="8761270" cy="4343400"/>
+          </a:xfrm>
+        </p:spPr>
+        <p:txBody>
+          <a:bodyPr/>
+          <a:lstStyle>
+            <a:lvl5pPr>
+              <a:defRPr/>
+            </a:lvl5pPr>
+          </a:lstStyle>
+          <a:p>
+            <a:pPr lvl="0"/>
+            <a:r>
+              <a:rPr lang="en-US" dirty="0" smtClean="0"/>
+              <a:t>Click to edit Master text styles</a:t>
+            </a:r>
+          </a:p>
+          <a:p>
+            <a:pPr lvl="1"/>
+            <a:r>
+              <a:rPr lang="en-US" dirty="0" smtClean="0"/>
+              <a:t>Second level</a:t>
+            </a:r>
+          </a:p>
+          <a:p>
+            <a:pPr lvl="2"/>
+            <a:r>
+              <a:rPr lang="en-US" dirty="0" smtClean="0"/>
+              <a:t>Third level</a:t>
+            </a:r>
+          </a:p>
+          <a:p>
+            <a:pPr lvl="3"/>
+            <a:r>
+              <a:rPr lang="en-US" dirty="0" smtClean="0"/>
+              <a:t>Fourth level</a:t>
+            </a:r>
+          </a:p>
+          <a:p>
+            <a:pPr lvl="4"/>
+            <a:r>
+              <a:rPr lang="en-US" dirty="0" smtClean="0"/>
+              <a:t>Fifth level</a:t>
+            </a:r>
+            <a:endParaRPr dirty="0"/>
+          </a:p>
+        </p:txBody>
+      </p:sp>
+    </p:spTree>
+    <p:extLst>
+      <p:ext uri="{BB962C8B-B14F-4D97-AF65-F5344CB8AC3E}">
+        <p14:creationId xmlns:p14="http://schemas.microsoft.com/office/powerpoint/2010/main" val="1699608879"/>
+      </p:ext>
+    </p:extLst>
+  </p:cSld>
+  <p:clrMapOvr>
+    <a:masterClrMapping/>
+  </p:clrMapOvr>
+</p:sldLayout>
+</file>
+
+<file path=ppt/slideLayouts/slideLayout15.xml><?xml version="1.0" encoding="utf-8"?>
+<p:sldLayout xmlns:a="http://schemas.openxmlformats.org/drawingml/2006/main" xmlns:r="http://schemas.openxmlformats.org/officeDocument/2006/relationships" xmlns:p="http://schemas.openxmlformats.org/presentationml/2006/main" userDrawn="1">
+  <p:cSld name="7_Blank">
+    <p:spTree>
+      <p:nvGrpSpPr>
+        <p:cNvPr id="1" name=""/>
+        <p:cNvGrpSpPr/>
+        <p:nvPr/>
+      </p:nvGrpSpPr>
+      <p:grpSpPr>
+        <a:xfrm>
+          <a:off x="0" y="0"/>
+          <a:ext cx="0" cy="0"/>
+          <a:chOff x="0" y="0"/>
+          <a:chExt cx="0" cy="0"/>
+        </a:xfrm>
+      </p:grpSpPr>
+      <p:sp>
+        <p:nvSpPr>
+          <p:cNvPr id="5" name="Title Placeholder 1"/>
+          <p:cNvSpPr>
+            <a:spLocks noGrp="1"/>
+          </p:cNvSpPr>
+          <p:nvPr>
+            <p:ph type="title"/>
+          </p:nvPr>
+        </p:nvSpPr>
+        <p:spPr>
+          <a:xfrm>
+            <a:off x="189778" y="107576"/>
+            <a:ext cx="8761270" cy="1228078"/>
+          </a:xfrm>
+          <a:prstGeom prst="rect">
+            <a:avLst/>
+          </a:prstGeom>
+        </p:spPr>
+        <p:txBody>
+          <a:bodyPr vert="horz" lIns="91440" tIns="45720" rIns="91440" bIns="45720" rtlCol="0" anchor="ctr" anchorCtr="0">
+            <a:noAutofit/>
+          </a:bodyPr>
+          <a:lstStyle/>
+          <a:p>
+            <a:r>
+              <a:rPr lang="en-US" dirty="0" smtClean="0"/>
+              <a:t>Click to edit Master title style</a:t>
+            </a:r>
+            <a:endParaRPr dirty="0"/>
+          </a:p>
+        </p:txBody>
+      </p:sp>
+      <p:sp>
+        <p:nvSpPr>
+          <p:cNvPr id="7" name="Date Placeholder 3"/>
+          <p:cNvSpPr>
+            <a:spLocks noGrp="1"/>
+          </p:cNvSpPr>
+          <p:nvPr>
+            <p:ph type="dt" sz="half" idx="2"/>
+          </p:nvPr>
+        </p:nvSpPr>
+        <p:spPr>
+          <a:xfrm>
+            <a:off x="5616077" y="6319462"/>
+            <a:ext cx="995340" cy="365125"/>
+          </a:xfrm>
+          <a:prstGeom prst="rect">
+            <a:avLst/>
+          </a:prstGeom>
+        </p:spPr>
+        <p:txBody>
+          <a:bodyPr vert="horz" lIns="91440" tIns="45720" rIns="91440" bIns="45720" rtlCol="0" anchor="ctr"/>
+          <a:lstStyle>
+            <a:lvl1pPr algn="r">
+              <a:defRPr sz="1000">
+                <a:solidFill>
+                  <a:srgbClr val="A6A6A6"/>
+                </a:solidFill>
+              </a:defRPr>
+            </a:lvl1pPr>
+          </a:lstStyle>
+          <a:p>
+            <a:fld id="{B01F9CA3-105E-4857-9057-6DB6197DA786}" type="datetimeFigureOut">
+              <a:rPr lang="en-US" smtClean="0"/>
+              <a:pPr/>
+              <a:t>3/25/2013</a:t>
+            </a:fld>
+            <a:endParaRPr lang="en-US"/>
+          </a:p>
+        </p:txBody>
+      </p:sp>
+      <p:sp>
+        <p:nvSpPr>
+          <p:cNvPr id="8" name="Slide Number Placeholder 5"/>
+          <p:cNvSpPr>
+            <a:spLocks noGrp="1"/>
+          </p:cNvSpPr>
+          <p:nvPr>
+            <p:ph type="sldNum" sz="quarter" idx="4"/>
+          </p:nvPr>
+        </p:nvSpPr>
+        <p:spPr>
+          <a:xfrm>
+            <a:off x="6618716" y="6319462"/>
+            <a:ext cx="578238" cy="365125"/>
+          </a:xfrm>
+          <a:prstGeom prst="rect">
+            <a:avLst/>
+          </a:prstGeom>
+        </p:spPr>
+        <p:txBody>
+          <a:bodyPr vert="horz" lIns="91440" tIns="45720" rIns="91440" bIns="45720" rtlCol="0" anchor="ctr"/>
+          <a:lstStyle>
+            <a:lvl1pPr algn="r">
+              <a:defRPr sz="1200">
+                <a:solidFill>
+                  <a:srgbClr val="A6A6A6"/>
+                </a:solidFill>
+              </a:defRPr>
+            </a:lvl1pPr>
+          </a:lstStyle>
+          <a:p>
+            <a:fld id="{7F5CE407-6216-4202-80E4-A30DC2F709B2}" type="slidenum">
+              <a:rPr lang="en-US" smtClean="0"/>
+              <a:pPr/>
+              <a:t>‹#›</a:t>
+            </a:fld>
+            <a:endParaRPr lang="en-US" dirty="0"/>
+          </a:p>
+        </p:txBody>
+      </p:sp>
+      <p:sp>
+        <p:nvSpPr>
+          <p:cNvPr id="10" name="Content Placeholder 2"/>
+          <p:cNvSpPr>
+            <a:spLocks noGrp="1"/>
+          </p:cNvSpPr>
+          <p:nvPr>
+            <p:ph idx="1"/>
+          </p:nvPr>
+        </p:nvSpPr>
+        <p:spPr>
+          <a:xfrm>
+            <a:off x="189778" y="1601996"/>
+            <a:ext cx="8761270" cy="4343400"/>
+          </a:xfrm>
+        </p:spPr>
+        <p:txBody>
+          <a:bodyPr/>
+          <a:lstStyle>
+            <a:lvl5pPr>
+              <a:defRPr/>
+            </a:lvl5pPr>
+          </a:lstStyle>
+          <a:p>
+            <a:pPr lvl="0"/>
+            <a:r>
+              <a:rPr lang="en-US" dirty="0" smtClean="0"/>
+              <a:t>Click to edit Master text styles</a:t>
+            </a:r>
+          </a:p>
+          <a:p>
+            <a:pPr lvl="1"/>
+            <a:r>
+              <a:rPr lang="en-US" dirty="0" smtClean="0"/>
+              <a:t>Second level</a:t>
+            </a:r>
+          </a:p>
+          <a:p>
+            <a:pPr lvl="2"/>
+            <a:r>
+              <a:rPr lang="en-US" dirty="0" smtClean="0"/>
+              <a:t>Third level</a:t>
+            </a:r>
+          </a:p>
+          <a:p>
+            <a:pPr lvl="3"/>
+            <a:r>
+              <a:rPr lang="en-US" dirty="0" smtClean="0"/>
+              <a:t>Fourth level</a:t>
+            </a:r>
+          </a:p>
+          <a:p>
+            <a:pPr lvl="4"/>
+            <a:r>
+              <a:rPr lang="en-US" dirty="0" smtClean="0"/>
+              <a:t>Fifth level</a:t>
+            </a:r>
+            <a:endParaRPr dirty="0"/>
+          </a:p>
+        </p:txBody>
+      </p:sp>
+    </p:spTree>
+    <p:extLst>
+      <p:ext uri="{BB962C8B-B14F-4D97-AF65-F5344CB8AC3E}">
+        <p14:creationId xmlns:p14="http://schemas.microsoft.com/office/powerpoint/2010/main" val="1699608879"/>
+      </p:ext>
+    </p:extLst>
+  </p:cSld>
+  <p:clrMapOvr>
+    <a:masterClrMapping/>
+  </p:clrMapOvr>
+</p:sldLayout>
+</file>
+
+<file path=ppt/slideLayouts/slideLayout16.xml><?xml version="1.0" encoding="utf-8"?>
+<p:sldLayout xmlns:a="http://schemas.openxmlformats.org/drawingml/2006/main" xmlns:r="http://schemas.openxmlformats.org/officeDocument/2006/relationships" xmlns:p="http://schemas.openxmlformats.org/presentationml/2006/main" userDrawn="1">
+  <p:cSld name="8_Blank">
+    <p:spTree>
+      <p:nvGrpSpPr>
+        <p:cNvPr id="1" name=""/>
+        <p:cNvGrpSpPr/>
+        <p:nvPr/>
+      </p:nvGrpSpPr>
+      <p:grpSpPr>
+        <a:xfrm>
+          <a:off x="0" y="0"/>
+          <a:ext cx="0" cy="0"/>
+          <a:chOff x="0" y="0"/>
+          <a:chExt cx="0" cy="0"/>
+        </a:xfrm>
+      </p:grpSpPr>
+      <p:sp>
+        <p:nvSpPr>
+          <p:cNvPr id="5" name="Title Placeholder 1"/>
+          <p:cNvSpPr>
+            <a:spLocks noGrp="1"/>
+          </p:cNvSpPr>
+          <p:nvPr>
+            <p:ph type="title"/>
+          </p:nvPr>
+        </p:nvSpPr>
+        <p:spPr>
+          <a:xfrm>
+            <a:off x="189778" y="107576"/>
+            <a:ext cx="8761270" cy="1228078"/>
+          </a:xfrm>
+          <a:prstGeom prst="rect">
+            <a:avLst/>
+          </a:prstGeom>
+        </p:spPr>
+        <p:txBody>
+          <a:bodyPr vert="horz" lIns="91440" tIns="45720" rIns="91440" bIns="45720" rtlCol="0" anchor="ctr" anchorCtr="0">
+            <a:noAutofit/>
+          </a:bodyPr>
+          <a:lstStyle/>
+          <a:p>
+            <a:r>
+              <a:rPr lang="en-US" dirty="0" smtClean="0"/>
+              <a:t>Click to edit Master title style</a:t>
+            </a:r>
+            <a:endParaRPr dirty="0"/>
+          </a:p>
+        </p:txBody>
+      </p:sp>
+      <p:sp>
+        <p:nvSpPr>
+          <p:cNvPr id="7" name="Date Placeholder 3"/>
+          <p:cNvSpPr>
+            <a:spLocks noGrp="1"/>
+          </p:cNvSpPr>
+          <p:nvPr>
+            <p:ph type="dt" sz="half" idx="2"/>
+          </p:nvPr>
+        </p:nvSpPr>
+        <p:spPr>
+          <a:xfrm>
+            <a:off x="5616077" y="6319462"/>
+            <a:ext cx="995340" cy="365125"/>
+          </a:xfrm>
+          <a:prstGeom prst="rect">
+            <a:avLst/>
+          </a:prstGeom>
+        </p:spPr>
+        <p:txBody>
+          <a:bodyPr vert="horz" lIns="91440" tIns="45720" rIns="91440" bIns="45720" rtlCol="0" anchor="ctr"/>
+          <a:lstStyle>
+            <a:lvl1pPr algn="r">
+              <a:defRPr sz="1000">
+                <a:solidFill>
+                  <a:srgbClr val="A6A6A6"/>
+                </a:solidFill>
+              </a:defRPr>
+            </a:lvl1pPr>
+          </a:lstStyle>
+          <a:p>
+            <a:fld id="{B01F9CA3-105E-4857-9057-6DB6197DA786}" type="datetimeFigureOut">
+              <a:rPr lang="en-US" smtClean="0"/>
+              <a:pPr/>
+              <a:t>3/25/2013</a:t>
+            </a:fld>
+            <a:endParaRPr lang="en-US"/>
+          </a:p>
+        </p:txBody>
+      </p:sp>
+      <p:sp>
+        <p:nvSpPr>
+          <p:cNvPr id="8" name="Slide Number Placeholder 5"/>
+          <p:cNvSpPr>
+            <a:spLocks noGrp="1"/>
+          </p:cNvSpPr>
+          <p:nvPr>
+            <p:ph type="sldNum" sz="quarter" idx="4"/>
+          </p:nvPr>
+        </p:nvSpPr>
+        <p:spPr>
+          <a:xfrm>
+            <a:off x="6618716" y="6319462"/>
+            <a:ext cx="578238" cy="365125"/>
+          </a:xfrm>
+          <a:prstGeom prst="rect">
+            <a:avLst/>
+          </a:prstGeom>
+        </p:spPr>
+        <p:txBody>
+          <a:bodyPr vert="horz" lIns="91440" tIns="45720" rIns="91440" bIns="45720" rtlCol="0" anchor="ctr"/>
+          <a:lstStyle>
+            <a:lvl1pPr algn="r">
+              <a:defRPr sz="1200">
+                <a:solidFill>
+                  <a:srgbClr val="A6A6A6"/>
+                </a:solidFill>
+              </a:defRPr>
+            </a:lvl1pPr>
+          </a:lstStyle>
+          <a:p>
+            <a:fld id="{7F5CE407-6216-4202-80E4-A30DC2F709B2}" type="slidenum">
+              <a:rPr lang="en-US" smtClean="0"/>
+              <a:pPr/>
+              <a:t>‹#›</a:t>
+            </a:fld>
+            <a:endParaRPr lang="en-US" dirty="0"/>
+          </a:p>
+        </p:txBody>
+      </p:sp>
+      <p:sp>
+        <p:nvSpPr>
+          <p:cNvPr id="10" name="Content Placeholder 2"/>
+          <p:cNvSpPr>
+            <a:spLocks noGrp="1"/>
+          </p:cNvSpPr>
+          <p:nvPr>
+            <p:ph idx="1"/>
+          </p:nvPr>
+        </p:nvSpPr>
+        <p:spPr>
+          <a:xfrm>
+            <a:off x="189778" y="1601996"/>
+            <a:ext cx="8761270" cy="4343400"/>
+          </a:xfrm>
+        </p:spPr>
+        <p:txBody>
+          <a:bodyPr/>
+          <a:lstStyle>
+            <a:lvl5pPr>
+              <a:defRPr/>
+            </a:lvl5pPr>
+          </a:lstStyle>
+          <a:p>
+            <a:pPr lvl="0"/>
+            <a:r>
+              <a:rPr lang="en-US" dirty="0" smtClean="0"/>
+              <a:t>Click to edit Master text styles</a:t>
+            </a:r>
+          </a:p>
+          <a:p>
+            <a:pPr lvl="1"/>
+            <a:r>
+              <a:rPr lang="en-US" dirty="0" smtClean="0"/>
+              <a:t>Second level</a:t>
+            </a:r>
+          </a:p>
+          <a:p>
+            <a:pPr lvl="2"/>
+            <a:r>
+              <a:rPr lang="en-US" dirty="0" smtClean="0"/>
+              <a:t>Third level</a:t>
+            </a:r>
+          </a:p>
+          <a:p>
+            <a:pPr lvl="3"/>
+            <a:r>
+              <a:rPr lang="en-US" dirty="0" smtClean="0"/>
+              <a:t>Fourth level</a:t>
+            </a:r>
+          </a:p>
+          <a:p>
+            <a:pPr lvl="4"/>
+            <a:r>
+              <a:rPr lang="en-US" dirty="0" smtClean="0"/>
+              <a:t>Fifth level</a:t>
+            </a:r>
+            <a:endParaRPr dirty="0"/>
+          </a:p>
+        </p:txBody>
+      </p:sp>
+    </p:spTree>
+    <p:extLst>
+      <p:ext uri="{BB962C8B-B14F-4D97-AF65-F5344CB8AC3E}">
+        <p14:creationId xmlns:p14="http://schemas.microsoft.com/office/powerpoint/2010/main" val="1699608879"/>
+      </p:ext>
+    </p:extLst>
+  </p:cSld>
+  <p:clrMapOvr>
+    <a:masterClrMapping/>
+  </p:clrMapOvr>
+</p:sldLayout>
+</file>
+
+<file path=ppt/slideLayouts/slideLayout17.xml><?xml version="1.0" encoding="utf-8"?>
+<p:sldLayout xmlns:a="http://schemas.openxmlformats.org/drawingml/2006/main" xmlns:r="http://schemas.openxmlformats.org/officeDocument/2006/relationships" xmlns:p="http://schemas.openxmlformats.org/presentationml/2006/main" userDrawn="1">
+  <p:cSld name="9_Blank">
+    <p:spTree>
+      <p:nvGrpSpPr>
+        <p:cNvPr id="1" name=""/>
+        <p:cNvGrpSpPr/>
+        <p:nvPr/>
+      </p:nvGrpSpPr>
+      <p:grpSpPr>
+        <a:xfrm>
+          <a:off x="0" y="0"/>
+          <a:ext cx="0" cy="0"/>
+          <a:chOff x="0" y="0"/>
+          <a:chExt cx="0" cy="0"/>
+        </a:xfrm>
+      </p:grpSpPr>
+      <p:sp>
+        <p:nvSpPr>
+          <p:cNvPr id="5" name="Title Placeholder 1"/>
+          <p:cNvSpPr>
+            <a:spLocks noGrp="1"/>
+          </p:cNvSpPr>
+          <p:nvPr>
+            <p:ph type="title"/>
+          </p:nvPr>
+        </p:nvSpPr>
+        <p:spPr>
+          <a:xfrm>
+            <a:off x="189778" y="107576"/>
+            <a:ext cx="8761270" cy="1228078"/>
+          </a:xfrm>
+          <a:prstGeom prst="rect">
+            <a:avLst/>
+          </a:prstGeom>
+        </p:spPr>
+        <p:txBody>
+          <a:bodyPr vert="horz" lIns="91440" tIns="45720" rIns="91440" bIns="45720" rtlCol="0" anchor="ctr" anchorCtr="0">
+            <a:noAutofit/>
+          </a:bodyPr>
+          <a:lstStyle/>
+          <a:p>
+            <a:r>
+              <a:rPr lang="en-US" dirty="0" smtClean="0"/>
+              <a:t>Click to edit Master title style</a:t>
+            </a:r>
+            <a:endParaRPr dirty="0"/>
+          </a:p>
+        </p:txBody>
+      </p:sp>
+      <p:sp>
+        <p:nvSpPr>
+          <p:cNvPr id="7" name="Date Placeholder 3"/>
+          <p:cNvSpPr>
+            <a:spLocks noGrp="1"/>
+          </p:cNvSpPr>
+          <p:nvPr>
+            <p:ph type="dt" sz="half" idx="2"/>
+          </p:nvPr>
+        </p:nvSpPr>
+        <p:spPr>
+          <a:xfrm>
+            <a:off x="5616077" y="6319462"/>
+            <a:ext cx="995340" cy="365125"/>
+          </a:xfrm>
+          <a:prstGeom prst="rect">
+            <a:avLst/>
+          </a:prstGeom>
+        </p:spPr>
+        <p:txBody>
+          <a:bodyPr vert="horz" lIns="91440" tIns="45720" rIns="91440" bIns="45720" rtlCol="0" anchor="ctr"/>
+          <a:lstStyle>
+            <a:lvl1pPr algn="r">
+              <a:defRPr sz="1000">
+                <a:solidFill>
+                  <a:srgbClr val="A6A6A6"/>
+                </a:solidFill>
+              </a:defRPr>
+            </a:lvl1pPr>
+          </a:lstStyle>
+          <a:p>
+            <a:fld id="{B01F9CA3-105E-4857-9057-6DB6197DA786}" type="datetimeFigureOut">
+              <a:rPr lang="en-US" smtClean="0"/>
+              <a:pPr/>
+              <a:t>3/25/2013</a:t>
+            </a:fld>
+            <a:endParaRPr lang="en-US"/>
+          </a:p>
+        </p:txBody>
+      </p:sp>
+      <p:sp>
+        <p:nvSpPr>
+          <p:cNvPr id="8" name="Slide Number Placeholder 5"/>
+          <p:cNvSpPr>
+            <a:spLocks noGrp="1"/>
+          </p:cNvSpPr>
+          <p:nvPr>
+            <p:ph type="sldNum" sz="quarter" idx="4"/>
+          </p:nvPr>
+        </p:nvSpPr>
+        <p:spPr>
+          <a:xfrm>
+            <a:off x="6618716" y="6319462"/>
+            <a:ext cx="578238" cy="365125"/>
+          </a:xfrm>
+          <a:prstGeom prst="rect">
+            <a:avLst/>
+          </a:prstGeom>
+        </p:spPr>
+        <p:txBody>
+          <a:bodyPr vert="horz" lIns="91440" tIns="45720" rIns="91440" bIns="45720" rtlCol="0" anchor="ctr"/>
+          <a:lstStyle>
+            <a:lvl1pPr algn="r">
+              <a:defRPr sz="1200">
+                <a:solidFill>
+                  <a:srgbClr val="A6A6A6"/>
+                </a:solidFill>
+              </a:defRPr>
+            </a:lvl1pPr>
+          </a:lstStyle>
+          <a:p>
+            <a:fld id="{7F5CE407-6216-4202-80E4-A30DC2F709B2}" type="slidenum">
+              <a:rPr lang="en-US" smtClean="0"/>
+              <a:pPr/>
+              <a:t>‹#›</a:t>
+            </a:fld>
+            <a:endParaRPr lang="en-US" dirty="0"/>
+          </a:p>
+        </p:txBody>
+      </p:sp>
+      <p:sp>
+        <p:nvSpPr>
+          <p:cNvPr id="10" name="Content Placeholder 2"/>
+          <p:cNvSpPr>
+            <a:spLocks noGrp="1"/>
+          </p:cNvSpPr>
+          <p:nvPr>
+            <p:ph idx="1"/>
+          </p:nvPr>
+        </p:nvSpPr>
+        <p:spPr>
+          <a:xfrm>
+            <a:off x="189778" y="1601996"/>
+            <a:ext cx="8761270" cy="4343400"/>
+          </a:xfrm>
+        </p:spPr>
+        <p:txBody>
+          <a:bodyPr/>
+          <a:lstStyle>
+            <a:lvl5pPr>
+              <a:defRPr/>
+            </a:lvl5pPr>
+          </a:lstStyle>
+          <a:p>
+            <a:pPr lvl="0"/>
+            <a:r>
+              <a:rPr lang="en-US" dirty="0" smtClean="0"/>
+              <a:t>Click to edit Master text styles</a:t>
+            </a:r>
+          </a:p>
+          <a:p>
+            <a:pPr lvl="1"/>
+            <a:r>
+              <a:rPr lang="en-US" dirty="0" smtClean="0"/>
+              <a:t>Second level</a:t>
+            </a:r>
+          </a:p>
+          <a:p>
+            <a:pPr lvl="2"/>
+            <a:r>
+              <a:rPr lang="en-US" dirty="0" smtClean="0"/>
+              <a:t>Third level</a:t>
+            </a:r>
+          </a:p>
+          <a:p>
+            <a:pPr lvl="3"/>
+            <a:r>
+              <a:rPr lang="en-US" dirty="0" smtClean="0"/>
+              <a:t>Fourth level</a:t>
+            </a:r>
+          </a:p>
+          <a:p>
+            <a:pPr lvl="4"/>
+            <a:r>
+              <a:rPr lang="en-US" dirty="0" smtClean="0"/>
+              <a:t>Fifth level</a:t>
+            </a:r>
+            <a:endParaRPr dirty="0"/>
+          </a:p>
+        </p:txBody>
+      </p:sp>
+    </p:spTree>
+    <p:extLst>
+      <p:ext uri="{BB962C8B-B14F-4D97-AF65-F5344CB8AC3E}">
+        <p14:creationId xmlns:p14="http://schemas.microsoft.com/office/powerpoint/2010/main" val="1699608879"/>
+      </p:ext>
+    </p:extLst>
+  </p:cSld>
+  <p:clrMapOvr>
+    <a:masterClrMapping/>
+  </p:clrMapOvr>
+</p:sldLayout>
+</file>
+
+<file path=ppt/slideLayouts/slideLayout18.xml><?xml version="1.0" encoding="utf-8"?>
+<p:sldLayout xmlns:a="http://schemas.openxmlformats.org/drawingml/2006/main" xmlns:r="http://schemas.openxmlformats.org/officeDocument/2006/relationships" xmlns:p="http://schemas.openxmlformats.org/presentationml/2006/main" userDrawn="1">
+  <p:cSld name="10_Blank">
+    <p:spTree>
+      <p:nvGrpSpPr>
+        <p:cNvPr id="1" name=""/>
+        <p:cNvGrpSpPr/>
+        <p:nvPr/>
+      </p:nvGrpSpPr>
+      <p:grpSpPr>
+        <a:xfrm>
+          <a:off x="0" y="0"/>
+          <a:ext cx="0" cy="0"/>
+          <a:chOff x="0" y="0"/>
+          <a:chExt cx="0" cy="0"/>
+        </a:xfrm>
+      </p:grpSpPr>
+      <p:sp>
+        <p:nvSpPr>
+          <p:cNvPr id="5" name="Title Placeholder 1"/>
+          <p:cNvSpPr>
+            <a:spLocks noGrp="1"/>
+          </p:cNvSpPr>
+          <p:nvPr>
+            <p:ph type="title"/>
+          </p:nvPr>
+        </p:nvSpPr>
+        <p:spPr>
+          <a:xfrm>
+            <a:off x="189778" y="107576"/>
+            <a:ext cx="8761270" cy="1228078"/>
+          </a:xfrm>
+          <a:prstGeom prst="rect">
+            <a:avLst/>
+          </a:prstGeom>
+        </p:spPr>
+        <p:txBody>
+          <a:bodyPr vert="horz" lIns="91440" tIns="45720" rIns="91440" bIns="45720" rtlCol="0" anchor="ctr" anchorCtr="0">
+            <a:noAutofit/>
+          </a:bodyPr>
+          <a:lstStyle/>
+          <a:p>
+            <a:r>
+              <a:rPr lang="en-US" dirty="0" smtClean="0"/>
+              <a:t>Click to edit Master title style</a:t>
+            </a:r>
+            <a:endParaRPr dirty="0"/>
+          </a:p>
+        </p:txBody>
+      </p:sp>
+      <p:sp>
+        <p:nvSpPr>
+          <p:cNvPr id="7" name="Date Placeholder 3"/>
+          <p:cNvSpPr>
+            <a:spLocks noGrp="1"/>
+          </p:cNvSpPr>
+          <p:nvPr>
+            <p:ph type="dt" sz="half" idx="2"/>
+          </p:nvPr>
+        </p:nvSpPr>
+        <p:spPr>
+          <a:xfrm>
+            <a:off x="5616077" y="6319462"/>
+            <a:ext cx="995340" cy="365125"/>
+          </a:xfrm>
+          <a:prstGeom prst="rect">
+            <a:avLst/>
+          </a:prstGeom>
+        </p:spPr>
+        <p:txBody>
+          <a:bodyPr vert="horz" lIns="91440" tIns="45720" rIns="91440" bIns="45720" rtlCol="0" anchor="ctr"/>
+          <a:lstStyle>
+            <a:lvl1pPr algn="r">
+              <a:defRPr sz="1000">
+                <a:solidFill>
+                  <a:srgbClr val="A6A6A6"/>
+                </a:solidFill>
+              </a:defRPr>
+            </a:lvl1pPr>
+          </a:lstStyle>
+          <a:p>
+            <a:fld id="{B01F9CA3-105E-4857-9057-6DB6197DA786}" type="datetimeFigureOut">
+              <a:rPr lang="en-US" smtClean="0"/>
+              <a:pPr/>
+              <a:t>3/25/2013</a:t>
+            </a:fld>
+            <a:endParaRPr lang="en-US"/>
+          </a:p>
+        </p:txBody>
+      </p:sp>
+      <p:sp>
+        <p:nvSpPr>
+          <p:cNvPr id="8" name="Slide Number Placeholder 5"/>
+          <p:cNvSpPr>
+            <a:spLocks noGrp="1"/>
+          </p:cNvSpPr>
+          <p:nvPr>
+            <p:ph type="sldNum" sz="quarter" idx="4"/>
+          </p:nvPr>
+        </p:nvSpPr>
+        <p:spPr>
+          <a:xfrm>
+            <a:off x="6618716" y="6319462"/>
+            <a:ext cx="578238" cy="365125"/>
+          </a:xfrm>
+          <a:prstGeom prst="rect">
+            <a:avLst/>
+          </a:prstGeom>
+        </p:spPr>
+        <p:txBody>
+          <a:bodyPr vert="horz" lIns="91440" tIns="45720" rIns="91440" bIns="45720" rtlCol="0" anchor="ctr"/>
+          <a:lstStyle>
+            <a:lvl1pPr algn="r">
+              <a:defRPr sz="1200">
+                <a:solidFill>
+                  <a:srgbClr val="A6A6A6"/>
+                </a:solidFill>
+              </a:defRPr>
+            </a:lvl1pPr>
+          </a:lstStyle>
+          <a:p>
+            <a:fld id="{7F5CE407-6216-4202-80E4-A30DC2F709B2}" type="slidenum">
+              <a:rPr lang="en-US" smtClean="0"/>
+              <a:pPr/>
+              <a:t>‹#›</a:t>
+            </a:fld>
+            <a:endParaRPr lang="en-US" dirty="0"/>
+          </a:p>
+        </p:txBody>
+      </p:sp>
+      <p:sp>
+        <p:nvSpPr>
+          <p:cNvPr id="10" name="Content Placeholder 2"/>
+          <p:cNvSpPr>
+            <a:spLocks noGrp="1"/>
+          </p:cNvSpPr>
+          <p:nvPr>
+            <p:ph idx="1"/>
+          </p:nvPr>
+        </p:nvSpPr>
+        <p:spPr>
+          <a:xfrm>
+            <a:off x="189778" y="1601996"/>
+            <a:ext cx="8761270" cy="4343400"/>
+          </a:xfrm>
+        </p:spPr>
+        <p:txBody>
+          <a:bodyPr/>
+          <a:lstStyle>
+            <a:lvl5pPr>
+              <a:defRPr/>
+            </a:lvl5pPr>
+          </a:lstStyle>
+          <a:p>
+            <a:pPr lvl="0"/>
+            <a:r>
+              <a:rPr lang="en-US" dirty="0" smtClean="0"/>
+              <a:t>Click to edit Master text styles</a:t>
+            </a:r>
+          </a:p>
+          <a:p>
+            <a:pPr lvl="1"/>
+            <a:r>
+              <a:rPr lang="en-US" dirty="0" smtClean="0"/>
+              <a:t>Second level</a:t>
+            </a:r>
+          </a:p>
+          <a:p>
+            <a:pPr lvl="2"/>
+            <a:r>
+              <a:rPr lang="en-US" dirty="0" smtClean="0"/>
+              <a:t>Third level</a:t>
+            </a:r>
+          </a:p>
+          <a:p>
+            <a:pPr lvl="3"/>
+            <a:r>
+              <a:rPr lang="en-US" dirty="0" smtClean="0"/>
+              <a:t>Fourth level</a:t>
+            </a:r>
+          </a:p>
+          <a:p>
+            <a:pPr lvl="4"/>
+            <a:r>
+              <a:rPr lang="en-US" dirty="0" smtClean="0"/>
+              <a:t>Fifth level</a:t>
+            </a:r>
+            <a:endParaRPr dirty="0"/>
+          </a:p>
+        </p:txBody>
+      </p:sp>
+    </p:spTree>
+    <p:extLst>
+      <p:ext uri="{BB962C8B-B14F-4D97-AF65-F5344CB8AC3E}">
+        <p14:creationId xmlns:p14="http://schemas.microsoft.com/office/powerpoint/2010/main" val="1699608879"/>
+      </p:ext>
+    </p:extLst>
+  </p:cSld>
+  <p:clrMapOvr>
+    <a:masterClrMapping/>
+  </p:clrMapOvr>
+</p:sldLayout>
+</file>
+
+<file path=ppt/slideLayouts/slideLayout19.xml><?xml version="1.0" encoding="utf-8"?>
+<p:sldLayout xmlns:a="http://schemas.openxmlformats.org/drawingml/2006/main" xmlns:r="http://schemas.openxmlformats.org/officeDocument/2006/relationships" xmlns:p="http://schemas.openxmlformats.org/presentationml/2006/main" userDrawn="1">
+  <p:cSld name="11_Blank">
+    <p:spTree>
+      <p:nvGrpSpPr>
+        <p:cNvPr id="1" name=""/>
+        <p:cNvGrpSpPr/>
+        <p:nvPr/>
+      </p:nvGrpSpPr>
+      <p:grpSpPr>
+        <a:xfrm>
+          <a:off x="0" y="0"/>
+          <a:ext cx="0" cy="0"/>
+          <a:chOff x="0" y="0"/>
+          <a:chExt cx="0" cy="0"/>
+        </a:xfrm>
+      </p:grpSpPr>
+      <p:sp>
+        <p:nvSpPr>
+          <p:cNvPr id="5" name="Title Placeholder 1"/>
+          <p:cNvSpPr>
+            <a:spLocks noGrp="1"/>
+          </p:cNvSpPr>
+          <p:nvPr>
+            <p:ph type="title"/>
+          </p:nvPr>
+        </p:nvSpPr>
+        <p:spPr>
+          <a:xfrm>
+            <a:off x="189778" y="107576"/>
+            <a:ext cx="8761270" cy="1228078"/>
+          </a:xfrm>
+          <a:prstGeom prst="rect">
+            <a:avLst/>
+          </a:prstGeom>
+        </p:spPr>
+        <p:txBody>
+          <a:bodyPr vert="horz" lIns="91440" tIns="45720" rIns="91440" bIns="45720" rtlCol="0" anchor="ctr" anchorCtr="0">
+            <a:noAutofit/>
+          </a:bodyPr>
+          <a:lstStyle/>
+          <a:p>
+            <a:r>
+              <a:rPr lang="en-US" dirty="0" smtClean="0"/>
+              <a:t>Click to edit Master title style</a:t>
+            </a:r>
+            <a:endParaRPr dirty="0"/>
+          </a:p>
+        </p:txBody>
+      </p:sp>
+      <p:sp>
+        <p:nvSpPr>
+          <p:cNvPr id="7" name="Date Placeholder 3"/>
+          <p:cNvSpPr>
+            <a:spLocks noGrp="1"/>
+          </p:cNvSpPr>
+          <p:nvPr>
+            <p:ph type="dt" sz="half" idx="2"/>
+          </p:nvPr>
+        </p:nvSpPr>
+        <p:spPr>
+          <a:xfrm>
+            <a:off x="5616077" y="6319462"/>
+            <a:ext cx="995340" cy="365125"/>
+          </a:xfrm>
+          <a:prstGeom prst="rect">
+            <a:avLst/>
+          </a:prstGeom>
+        </p:spPr>
+        <p:txBody>
+          <a:bodyPr vert="horz" lIns="91440" tIns="45720" rIns="91440" bIns="45720" rtlCol="0" anchor="ctr"/>
+          <a:lstStyle>
+            <a:lvl1pPr algn="r">
+              <a:defRPr sz="1000">
+                <a:solidFill>
+                  <a:srgbClr val="A6A6A6"/>
+                </a:solidFill>
+              </a:defRPr>
+            </a:lvl1pPr>
+          </a:lstStyle>
+          <a:p>
+            <a:fld id="{B01F9CA3-105E-4857-9057-6DB6197DA786}" type="datetimeFigureOut">
+              <a:rPr lang="en-US" smtClean="0"/>
+              <a:pPr/>
+              <a:t>3/25/2013</a:t>
+            </a:fld>
+            <a:endParaRPr lang="en-US"/>
+          </a:p>
+        </p:txBody>
+      </p:sp>
+      <p:sp>
+        <p:nvSpPr>
+          <p:cNvPr id="8" name="Slide Number Placeholder 5"/>
+          <p:cNvSpPr>
+            <a:spLocks noGrp="1"/>
+          </p:cNvSpPr>
+          <p:nvPr>
+            <p:ph type="sldNum" sz="quarter" idx="4"/>
+          </p:nvPr>
+        </p:nvSpPr>
+        <p:spPr>
+          <a:xfrm>
+            <a:off x="6618716" y="6319462"/>
+            <a:ext cx="578238" cy="365125"/>
+          </a:xfrm>
+          <a:prstGeom prst="rect">
+            <a:avLst/>
+          </a:prstGeom>
+        </p:spPr>
+        <p:txBody>
+          <a:bodyPr vert="horz" lIns="91440" tIns="45720" rIns="91440" bIns="45720" rtlCol="0" anchor="ctr"/>
+          <a:lstStyle>
+            <a:lvl1pPr algn="r">
+              <a:defRPr sz="1200">
+                <a:solidFill>
+                  <a:srgbClr val="A6A6A6"/>
+                </a:solidFill>
+              </a:defRPr>
+            </a:lvl1pPr>
+          </a:lstStyle>
+          <a:p>
+            <a:fld id="{7F5CE407-6216-4202-80E4-A30DC2F709B2}" type="slidenum">
+              <a:rPr lang="en-US" smtClean="0"/>
+              <a:pPr/>
+              <a:t>‹#›</a:t>
+            </a:fld>
+            <a:endParaRPr lang="en-US" dirty="0"/>
+          </a:p>
+        </p:txBody>
+      </p:sp>
+      <p:sp>
+        <p:nvSpPr>
+          <p:cNvPr id="10" name="Content Placeholder 2"/>
+          <p:cNvSpPr>
+            <a:spLocks noGrp="1"/>
+          </p:cNvSpPr>
+          <p:nvPr>
+            <p:ph idx="1"/>
+          </p:nvPr>
+        </p:nvSpPr>
+        <p:spPr>
+          <a:xfrm>
+            <a:off x="189778" y="1601996"/>
+            <a:ext cx="8761270" cy="4343400"/>
+          </a:xfrm>
+        </p:spPr>
+        <p:txBody>
+          <a:bodyPr/>
+          <a:lstStyle>
+            <a:lvl5pPr>
+              <a:defRPr/>
+            </a:lvl5pPr>
+          </a:lstStyle>
+          <a:p>
+            <a:pPr lvl="0"/>
+            <a:r>
+              <a:rPr lang="en-US" dirty="0" smtClean="0"/>
+              <a:t>Click to edit Master text styles</a:t>
+            </a:r>
+          </a:p>
+          <a:p>
+            <a:pPr lvl="1"/>
+            <a:r>
+              <a:rPr lang="en-US" dirty="0" smtClean="0"/>
+              <a:t>Second level</a:t>
+            </a:r>
+          </a:p>
+          <a:p>
+            <a:pPr lvl="2"/>
+            <a:r>
+              <a:rPr lang="en-US" dirty="0" smtClean="0"/>
+              <a:t>Third level</a:t>
+            </a:r>
+          </a:p>
+          <a:p>
+            <a:pPr lvl="3"/>
+            <a:r>
+              <a:rPr lang="en-US" dirty="0" smtClean="0"/>
+              <a:t>Fourth level</a:t>
+            </a:r>
+          </a:p>
+          <a:p>
+            <a:pPr lvl="4"/>
+            <a:r>
+              <a:rPr lang="en-US" dirty="0" smtClean="0"/>
+              <a:t>Fifth level</a:t>
+            </a:r>
+            <a:endParaRPr dirty="0"/>
+          </a:p>
+        </p:txBody>
+      </p:sp>
+    </p:spTree>
+    <p:extLst>
+      <p:ext uri="{BB962C8B-B14F-4D97-AF65-F5344CB8AC3E}">
+        <p14:creationId xmlns:p14="http://schemas.microsoft.com/office/powerpoint/2010/main" val="1699608879"/>
       </p:ext>
     </p:extLst>
   </p:cSld>
@@ -1081,6 +2722,623 @@
 </file>
 
 <file path=ppt/slideLayouts/slideLayout2.xml><?xml version="1.0" encoding="utf-8"?>
+<p:sldLayout xmlns:a="http://schemas.openxmlformats.org/drawingml/2006/main" xmlns:r="http://schemas.openxmlformats.org/officeDocument/2006/relationships" xmlns:p="http://schemas.openxmlformats.org/presentationml/2006/main" type="tx" preserve="1">
+  <p:cSld name="Title and Text">
+    <p:spTree>
+      <p:nvGrpSpPr>
+        <p:cNvPr id="1" name=""/>
+        <p:cNvGrpSpPr/>
+        <p:nvPr/>
+      </p:nvGrpSpPr>
+      <p:grpSpPr>
+        <a:xfrm>
+          <a:off x="0" y="0"/>
+          <a:ext cx="0" cy="0"/>
+          <a:chOff x="0" y="0"/>
+          <a:chExt cx="0" cy="0"/>
+        </a:xfrm>
+      </p:grpSpPr>
+      <p:sp>
+        <p:nvSpPr>
+          <p:cNvPr id="2" name="Title 1"/>
+          <p:cNvSpPr>
+            <a:spLocks noGrp="1"/>
+          </p:cNvSpPr>
+          <p:nvPr>
+            <p:ph type="title"/>
+          </p:nvPr>
+        </p:nvSpPr>
+        <p:spPr>
+          <a:noFill/>
+        </p:spPr>
+        <p:txBody>
+          <a:bodyPr rtlCol="0"/>
+          <a:lstStyle>
+            <a:lvl1pPr>
+              <a:defRPr b="1">
+                <a:latin typeface="Myriad Pro" pitchFamily="34" charset="0"/>
+              </a:defRPr>
+            </a:lvl1pPr>
+          </a:lstStyle>
+          <a:p>
+            <a:r>
+              <a:rPr lang="en-US" smtClean="0"/>
+              <a:t>Click to edit Master title style</a:t>
+            </a:r>
+            <a:endParaRPr lang="en-US" dirty="0"/>
+          </a:p>
+        </p:txBody>
+      </p:sp>
+      <p:sp>
+        <p:nvSpPr>
+          <p:cNvPr id="3" name="Text Placeholder 2"/>
+          <p:cNvSpPr>
+            <a:spLocks noGrp="1"/>
+          </p:cNvSpPr>
+          <p:nvPr>
+            <p:ph type="body" idx="1"/>
+          </p:nvPr>
+        </p:nvSpPr>
+        <p:spPr/>
+        <p:txBody>
+          <a:bodyPr rtlCol="0"/>
+          <a:lstStyle>
+            <a:lvl1pPr>
+              <a:buClrTx/>
+              <a:buFont typeface="Wingdings" pitchFamily="2" charset="2"/>
+              <a:buChar char="§"/>
+              <a:defRPr sz="2000" b="1">
+                <a:latin typeface="Myriad Pro Light" pitchFamily="34" charset="0"/>
+              </a:defRPr>
+            </a:lvl1pPr>
+            <a:lvl2pPr>
+              <a:buClrTx/>
+              <a:buFont typeface="Wingdings" pitchFamily="2" charset="2"/>
+              <a:buChar char="o"/>
+              <a:defRPr sz="1800" b="0">
+                <a:latin typeface="Myriad Pro" pitchFamily="34" charset="0"/>
+              </a:defRPr>
+            </a:lvl2pPr>
+            <a:lvl3pPr>
+              <a:buClrTx/>
+              <a:buFont typeface="Wingdings" pitchFamily="2" charset="2"/>
+              <a:buChar char="o"/>
+              <a:defRPr sz="1600" b="0">
+                <a:latin typeface="Myriad Pro" pitchFamily="34" charset="0"/>
+              </a:defRPr>
+            </a:lvl3pPr>
+            <a:lvl4pPr>
+              <a:buClrTx/>
+              <a:buFont typeface="Wingdings" pitchFamily="2" charset="2"/>
+              <a:buChar char="o"/>
+              <a:defRPr sz="1400" b="0">
+                <a:latin typeface="Myriad Pro" pitchFamily="34" charset="0"/>
+              </a:defRPr>
+            </a:lvl4pPr>
+            <a:lvl5pPr>
+              <a:buClrTx/>
+              <a:buFont typeface="Wingdings" pitchFamily="2" charset="2"/>
+              <a:buChar char="o"/>
+              <a:defRPr sz="1200" b="0">
+                <a:latin typeface="Myriad Pro" pitchFamily="34" charset="0"/>
+              </a:defRPr>
+            </a:lvl5pPr>
+          </a:lstStyle>
+          <a:p>
+            <a:pPr lvl="0"/>
+            <a:r>
+              <a:rPr lang="en-US" smtClean="0"/>
+              <a:t>Click to edit Master text styles</a:t>
+            </a:r>
+          </a:p>
+          <a:p>
+            <a:pPr lvl="1"/>
+            <a:r>
+              <a:rPr lang="en-US" smtClean="0"/>
+              <a:t>Second level</a:t>
+            </a:r>
+          </a:p>
+          <a:p>
+            <a:pPr lvl="2"/>
+            <a:r>
+              <a:rPr lang="en-US" smtClean="0"/>
+              <a:t>Third level</a:t>
+            </a:r>
+          </a:p>
+          <a:p>
+            <a:pPr lvl="3"/>
+            <a:r>
+              <a:rPr lang="en-US" smtClean="0"/>
+              <a:t>Fourth level</a:t>
+            </a:r>
+          </a:p>
+          <a:p>
+            <a:pPr lvl="4"/>
+            <a:r>
+              <a:rPr lang="en-US" smtClean="0"/>
+              <a:t>Fifth level</a:t>
+            </a:r>
+            <a:endParaRPr lang="en-US" dirty="0"/>
+          </a:p>
+        </p:txBody>
+      </p:sp>
+    </p:spTree>
+    <p:extLst>
+      <p:ext uri="{BB962C8B-B14F-4D97-AF65-F5344CB8AC3E}">
+        <p14:creationId xmlns:p14="http://schemas.microsoft.com/office/powerpoint/2010/main" val="2978944173"/>
+      </p:ext>
+    </p:extLst>
+  </p:cSld>
+  <p:clrMapOvr>
+    <a:masterClrMapping/>
+  </p:clrMapOvr>
+  <p:transition>
+    <p:fade/>
+  </p:transition>
+</p:sldLayout>
+</file>
+
+<file path=ppt/slideLayouts/slideLayout20.xml><?xml version="1.0" encoding="utf-8"?>
+<p:sldLayout xmlns:a="http://schemas.openxmlformats.org/drawingml/2006/main" xmlns:r="http://schemas.openxmlformats.org/officeDocument/2006/relationships" xmlns:p="http://schemas.openxmlformats.org/presentationml/2006/main" userDrawn="1">
+  <p:cSld name="12_Blank">
+    <p:spTree>
+      <p:nvGrpSpPr>
+        <p:cNvPr id="1" name=""/>
+        <p:cNvGrpSpPr/>
+        <p:nvPr/>
+      </p:nvGrpSpPr>
+      <p:grpSpPr>
+        <a:xfrm>
+          <a:off x="0" y="0"/>
+          <a:ext cx="0" cy="0"/>
+          <a:chOff x="0" y="0"/>
+          <a:chExt cx="0" cy="0"/>
+        </a:xfrm>
+      </p:grpSpPr>
+      <p:sp>
+        <p:nvSpPr>
+          <p:cNvPr id="5" name="Title Placeholder 1"/>
+          <p:cNvSpPr>
+            <a:spLocks noGrp="1"/>
+          </p:cNvSpPr>
+          <p:nvPr>
+            <p:ph type="title"/>
+          </p:nvPr>
+        </p:nvSpPr>
+        <p:spPr>
+          <a:xfrm>
+            <a:off x="189778" y="107576"/>
+            <a:ext cx="8761270" cy="1228078"/>
+          </a:xfrm>
+          <a:prstGeom prst="rect">
+            <a:avLst/>
+          </a:prstGeom>
+        </p:spPr>
+        <p:txBody>
+          <a:bodyPr vert="horz" lIns="91440" tIns="45720" rIns="91440" bIns="45720" rtlCol="0" anchor="ctr" anchorCtr="0">
+            <a:noAutofit/>
+          </a:bodyPr>
+          <a:lstStyle/>
+          <a:p>
+            <a:r>
+              <a:rPr lang="en-US" dirty="0" smtClean="0"/>
+              <a:t>Click to edit Master title style</a:t>
+            </a:r>
+            <a:endParaRPr dirty="0"/>
+          </a:p>
+        </p:txBody>
+      </p:sp>
+      <p:sp>
+        <p:nvSpPr>
+          <p:cNvPr id="7" name="Date Placeholder 3"/>
+          <p:cNvSpPr>
+            <a:spLocks noGrp="1"/>
+          </p:cNvSpPr>
+          <p:nvPr>
+            <p:ph type="dt" sz="half" idx="2"/>
+          </p:nvPr>
+        </p:nvSpPr>
+        <p:spPr>
+          <a:xfrm>
+            <a:off x="5616077" y="6319462"/>
+            <a:ext cx="995340" cy="365125"/>
+          </a:xfrm>
+          <a:prstGeom prst="rect">
+            <a:avLst/>
+          </a:prstGeom>
+        </p:spPr>
+        <p:txBody>
+          <a:bodyPr vert="horz" lIns="91440" tIns="45720" rIns="91440" bIns="45720" rtlCol="0" anchor="ctr"/>
+          <a:lstStyle>
+            <a:lvl1pPr algn="r">
+              <a:defRPr sz="1000">
+                <a:solidFill>
+                  <a:srgbClr val="A6A6A6"/>
+                </a:solidFill>
+              </a:defRPr>
+            </a:lvl1pPr>
+          </a:lstStyle>
+          <a:p>
+            <a:fld id="{B01F9CA3-105E-4857-9057-6DB6197DA786}" type="datetimeFigureOut">
+              <a:rPr lang="en-US" smtClean="0"/>
+              <a:pPr/>
+              <a:t>3/25/2013</a:t>
+            </a:fld>
+            <a:endParaRPr lang="en-US"/>
+          </a:p>
+        </p:txBody>
+      </p:sp>
+      <p:sp>
+        <p:nvSpPr>
+          <p:cNvPr id="8" name="Slide Number Placeholder 5"/>
+          <p:cNvSpPr>
+            <a:spLocks noGrp="1"/>
+          </p:cNvSpPr>
+          <p:nvPr>
+            <p:ph type="sldNum" sz="quarter" idx="4"/>
+          </p:nvPr>
+        </p:nvSpPr>
+        <p:spPr>
+          <a:xfrm>
+            <a:off x="6618716" y="6319462"/>
+            <a:ext cx="578238" cy="365125"/>
+          </a:xfrm>
+          <a:prstGeom prst="rect">
+            <a:avLst/>
+          </a:prstGeom>
+        </p:spPr>
+        <p:txBody>
+          <a:bodyPr vert="horz" lIns="91440" tIns="45720" rIns="91440" bIns="45720" rtlCol="0" anchor="ctr"/>
+          <a:lstStyle>
+            <a:lvl1pPr algn="r">
+              <a:defRPr sz="1200">
+                <a:solidFill>
+                  <a:srgbClr val="A6A6A6"/>
+                </a:solidFill>
+              </a:defRPr>
+            </a:lvl1pPr>
+          </a:lstStyle>
+          <a:p>
+            <a:fld id="{7F5CE407-6216-4202-80E4-A30DC2F709B2}" type="slidenum">
+              <a:rPr lang="en-US" smtClean="0"/>
+              <a:pPr/>
+              <a:t>‹#›</a:t>
+            </a:fld>
+            <a:endParaRPr lang="en-US" dirty="0"/>
+          </a:p>
+        </p:txBody>
+      </p:sp>
+      <p:sp>
+        <p:nvSpPr>
+          <p:cNvPr id="10" name="Content Placeholder 2"/>
+          <p:cNvSpPr>
+            <a:spLocks noGrp="1"/>
+          </p:cNvSpPr>
+          <p:nvPr>
+            <p:ph idx="1"/>
+          </p:nvPr>
+        </p:nvSpPr>
+        <p:spPr>
+          <a:xfrm>
+            <a:off x="189778" y="1601996"/>
+            <a:ext cx="8761270" cy="4343400"/>
+          </a:xfrm>
+        </p:spPr>
+        <p:txBody>
+          <a:bodyPr/>
+          <a:lstStyle>
+            <a:lvl5pPr>
+              <a:defRPr/>
+            </a:lvl5pPr>
+          </a:lstStyle>
+          <a:p>
+            <a:pPr lvl="0"/>
+            <a:r>
+              <a:rPr lang="en-US" dirty="0" smtClean="0"/>
+              <a:t>Click to edit Master text styles</a:t>
+            </a:r>
+          </a:p>
+          <a:p>
+            <a:pPr lvl="1"/>
+            <a:r>
+              <a:rPr lang="en-US" dirty="0" smtClean="0"/>
+              <a:t>Second level</a:t>
+            </a:r>
+          </a:p>
+          <a:p>
+            <a:pPr lvl="2"/>
+            <a:r>
+              <a:rPr lang="en-US" dirty="0" smtClean="0"/>
+              <a:t>Third level</a:t>
+            </a:r>
+          </a:p>
+          <a:p>
+            <a:pPr lvl="3"/>
+            <a:r>
+              <a:rPr lang="en-US" dirty="0" smtClean="0"/>
+              <a:t>Fourth level</a:t>
+            </a:r>
+          </a:p>
+          <a:p>
+            <a:pPr lvl="4"/>
+            <a:r>
+              <a:rPr lang="en-US" dirty="0" smtClean="0"/>
+              <a:t>Fifth level</a:t>
+            </a:r>
+            <a:endParaRPr dirty="0"/>
+          </a:p>
+        </p:txBody>
+      </p:sp>
+    </p:spTree>
+    <p:extLst>
+      <p:ext uri="{BB962C8B-B14F-4D97-AF65-F5344CB8AC3E}">
+        <p14:creationId xmlns:p14="http://schemas.microsoft.com/office/powerpoint/2010/main" val="1699608879"/>
+      </p:ext>
+    </p:extLst>
+  </p:cSld>
+  <p:clrMapOvr>
+    <a:masterClrMapping/>
+  </p:clrMapOvr>
+</p:sldLayout>
+</file>
+
+<file path=ppt/slideLayouts/slideLayout3.xml><?xml version="1.0" encoding="utf-8"?>
+<p:sldLayout xmlns:a="http://schemas.openxmlformats.org/drawingml/2006/main" xmlns:r="http://schemas.openxmlformats.org/officeDocument/2006/relationships" xmlns:p="http://schemas.openxmlformats.org/presentationml/2006/main" type="tx" preserve="1">
+  <p:cSld name="References">
+    <p:spTree>
+      <p:nvGrpSpPr>
+        <p:cNvPr id="1" name=""/>
+        <p:cNvGrpSpPr/>
+        <p:nvPr/>
+      </p:nvGrpSpPr>
+      <p:grpSpPr>
+        <a:xfrm>
+          <a:off x="0" y="0"/>
+          <a:ext cx="0" cy="0"/>
+          <a:chOff x="0" y="0"/>
+          <a:chExt cx="0" cy="0"/>
+        </a:xfrm>
+      </p:grpSpPr>
+      <p:sp>
+        <p:nvSpPr>
+          <p:cNvPr id="2" name="Title 1"/>
+          <p:cNvSpPr>
+            <a:spLocks noGrp="1"/>
+          </p:cNvSpPr>
+          <p:nvPr>
+            <p:ph type="title" hasCustomPrompt="1"/>
+          </p:nvPr>
+        </p:nvSpPr>
+        <p:spPr>
+          <a:noFill/>
+        </p:spPr>
+        <p:txBody>
+          <a:bodyPr rtlCol="0"/>
+          <a:lstStyle>
+            <a:lvl1pPr>
+              <a:defRPr b="1">
+                <a:latin typeface="Myriad Pro" pitchFamily="34" charset="0"/>
+              </a:defRPr>
+            </a:lvl1pPr>
+          </a:lstStyle>
+          <a:p>
+            <a:r>
+              <a:rPr lang="en-US" dirty="0" smtClean="0"/>
+              <a:t>References</a:t>
+            </a:r>
+            <a:endParaRPr lang="en-US" dirty="0"/>
+          </a:p>
+        </p:txBody>
+      </p:sp>
+      <p:sp>
+        <p:nvSpPr>
+          <p:cNvPr id="3" name="Text Placeholder 2"/>
+          <p:cNvSpPr>
+            <a:spLocks noGrp="1"/>
+          </p:cNvSpPr>
+          <p:nvPr>
+            <p:ph type="body" idx="1"/>
+          </p:nvPr>
+        </p:nvSpPr>
+        <p:spPr/>
+        <p:txBody>
+          <a:bodyPr rtlCol="0"/>
+          <a:lstStyle>
+            <a:lvl1pPr>
+              <a:buClrTx/>
+              <a:buFont typeface="Wingdings" pitchFamily="2" charset="2"/>
+              <a:buChar char="§"/>
+              <a:defRPr sz="2000" b="1">
+                <a:latin typeface="Myriad Pro Light" pitchFamily="34" charset="0"/>
+              </a:defRPr>
+            </a:lvl1pPr>
+            <a:lvl2pPr>
+              <a:buClrTx/>
+              <a:buFont typeface="Wingdings" pitchFamily="2" charset="2"/>
+              <a:buChar char="o"/>
+              <a:defRPr sz="1800" b="0">
+                <a:latin typeface="Myriad Pro" pitchFamily="34" charset="0"/>
+              </a:defRPr>
+            </a:lvl2pPr>
+            <a:lvl3pPr>
+              <a:buClrTx/>
+              <a:buFont typeface="Wingdings" pitchFamily="2" charset="2"/>
+              <a:buChar char="o"/>
+              <a:defRPr sz="1600" b="0">
+                <a:latin typeface="Myriad Pro" pitchFamily="34" charset="0"/>
+              </a:defRPr>
+            </a:lvl3pPr>
+            <a:lvl4pPr>
+              <a:buClrTx/>
+              <a:buFont typeface="Wingdings" pitchFamily="2" charset="2"/>
+              <a:buChar char="o"/>
+              <a:defRPr sz="1400" b="0">
+                <a:latin typeface="Myriad Pro" pitchFamily="34" charset="0"/>
+              </a:defRPr>
+            </a:lvl4pPr>
+            <a:lvl5pPr>
+              <a:buClrTx/>
+              <a:buFont typeface="Wingdings" pitchFamily="2" charset="2"/>
+              <a:buChar char="o"/>
+              <a:defRPr sz="1200" b="0">
+                <a:latin typeface="Myriad Pro" pitchFamily="34" charset="0"/>
+              </a:defRPr>
+            </a:lvl5pPr>
+          </a:lstStyle>
+          <a:p>
+            <a:pPr lvl="0"/>
+            <a:r>
+              <a:rPr lang="en-US" smtClean="0"/>
+              <a:t>Click to edit Master text styles</a:t>
+            </a:r>
+          </a:p>
+          <a:p>
+            <a:pPr lvl="1"/>
+            <a:r>
+              <a:rPr lang="en-US" smtClean="0"/>
+              <a:t>Second level</a:t>
+            </a:r>
+          </a:p>
+          <a:p>
+            <a:pPr lvl="2"/>
+            <a:r>
+              <a:rPr lang="en-US" smtClean="0"/>
+              <a:t>Third level</a:t>
+            </a:r>
+          </a:p>
+          <a:p>
+            <a:pPr lvl="3"/>
+            <a:r>
+              <a:rPr lang="en-US" smtClean="0"/>
+              <a:t>Fourth level</a:t>
+            </a:r>
+          </a:p>
+          <a:p>
+            <a:pPr lvl="4"/>
+            <a:r>
+              <a:rPr lang="en-US" smtClean="0"/>
+              <a:t>Fifth level</a:t>
+            </a:r>
+            <a:endParaRPr lang="en-US" dirty="0"/>
+          </a:p>
+        </p:txBody>
+      </p:sp>
+    </p:spTree>
+    <p:extLst>
+      <p:ext uri="{BB962C8B-B14F-4D97-AF65-F5344CB8AC3E}">
+        <p14:creationId xmlns:p14="http://schemas.microsoft.com/office/powerpoint/2010/main" val="2091945905"/>
+      </p:ext>
+    </p:extLst>
+  </p:cSld>
+  <p:clrMapOvr>
+    <a:masterClrMapping/>
+  </p:clrMapOvr>
+  <p:transition>
+    <p:fade/>
+  </p:transition>
+</p:sldLayout>
+</file>
+
+<file path=ppt/slideLayouts/slideLayout4.xml><?xml version="1.0" encoding="utf-8"?>
+<p:sldLayout xmlns:a="http://schemas.openxmlformats.org/drawingml/2006/main" xmlns:r="http://schemas.openxmlformats.org/officeDocument/2006/relationships" xmlns:p="http://schemas.openxmlformats.org/presentationml/2006/main" preserve="1" userDrawn="1">
+  <p:cSld name="Code Sample">
+    <p:spTree>
+      <p:nvGrpSpPr>
+        <p:cNvPr id="1" name=""/>
+        <p:cNvGrpSpPr/>
+        <p:nvPr/>
+      </p:nvGrpSpPr>
+      <p:grpSpPr>
+        <a:xfrm>
+          <a:off x="0" y="0"/>
+          <a:ext cx="0" cy="0"/>
+          <a:chOff x="0" y="0"/>
+          <a:chExt cx="0" cy="0"/>
+        </a:xfrm>
+      </p:grpSpPr>
+      <p:sp>
+        <p:nvSpPr>
+          <p:cNvPr id="2" name="Title 1"/>
+          <p:cNvSpPr>
+            <a:spLocks noGrp="1"/>
+          </p:cNvSpPr>
+          <p:nvPr>
+            <p:ph type="title"/>
+          </p:nvPr>
+        </p:nvSpPr>
+        <p:spPr/>
+        <p:txBody>
+          <a:bodyPr/>
+          <a:lstStyle/>
+          <a:p>
+            <a:r>
+              <a:rPr lang="en-US" smtClean="0"/>
+              <a:t>Click to edit Master title style</a:t>
+            </a:r>
+            <a:endParaRPr lang="en-US"/>
+          </a:p>
+        </p:txBody>
+      </p:sp>
+      <p:sp>
+        <p:nvSpPr>
+          <p:cNvPr id="5" name="Text Placeholder 4"/>
+          <p:cNvSpPr>
+            <a:spLocks noGrp="1"/>
+          </p:cNvSpPr>
+          <p:nvPr>
+            <p:ph type="body" sz="quarter" idx="10"/>
+          </p:nvPr>
+        </p:nvSpPr>
+        <p:spPr>
+          <a:xfrm>
+            <a:off x="1485900" y="1600200"/>
+            <a:ext cx="6172200" cy="3962400"/>
+          </a:xfrm>
+          <a:solidFill>
+            <a:schemeClr val="accent2"/>
+          </a:solidFill>
+          <a:ln w="9525">
+            <a:solidFill>
+              <a:schemeClr val="tx1"/>
+            </a:solidFill>
+          </a:ln>
+        </p:spPr>
+        <p:txBody>
+          <a:bodyPr/>
+          <a:lstStyle>
+            <a:lvl1pPr>
+              <a:buNone/>
+              <a:defRPr sz="1800" b="0">
+                <a:latin typeface="Consolas" pitchFamily="49" charset="0"/>
+              </a:defRPr>
+            </a:lvl1pPr>
+          </a:lstStyle>
+          <a:p>
+            <a:pPr lvl="0"/>
+            <a:r>
+              <a:rPr lang="en-US" smtClean="0"/>
+              <a:t>Click to edit Master text styles</a:t>
+            </a:r>
+          </a:p>
+        </p:txBody>
+      </p:sp>
+    </p:spTree>
+    <p:extLst>
+      <p:ext uri="{BB962C8B-B14F-4D97-AF65-F5344CB8AC3E}">
+        <p14:creationId xmlns:p14="http://schemas.microsoft.com/office/powerpoint/2010/main" val="433037257"/>
+      </p:ext>
+    </p:extLst>
+  </p:cSld>
+  <p:clrMapOvr>
+    <a:masterClrMapping/>
+  </p:clrMapOvr>
+  <p:transition>
+    <p:fade/>
+  </p:transition>
+</p:sldLayout>
+</file>
+
+<file path=ppt/slideLayouts/slideLayout5.xml><?xml version="1.0" encoding="utf-8"?>
 <p:sldLayout xmlns:a="http://schemas.openxmlformats.org/drawingml/2006/main" xmlns:r="http://schemas.openxmlformats.org/officeDocument/2006/relationships" xmlns:p="http://schemas.openxmlformats.org/presentationml/2006/main" preserve="1" userDrawn="1">
   <p:cSld name="Blank">
     <p:spTree>
@@ -1099,7 +3357,7 @@
       </p:grpSpPr>
       <p:sp>
         <p:nvSpPr>
-          <p:cNvPr id="5" name="Title Placeholder 1"/>
+          <p:cNvPr id="2" name="Title 1"/>
           <p:cNvSpPr>
             <a:spLocks noGrp="1"/>
           </p:cNvSpPr>
@@ -1107,180 +3365,342 @@
             <p:ph type="title"/>
           </p:nvPr>
         </p:nvSpPr>
-        <p:spPr>
-          <a:xfrm>
-            <a:off x="189778" y="107576"/>
-            <a:ext cx="8761270" cy="1228078"/>
-          </a:xfrm>
-          <a:prstGeom prst="rect">
-            <a:avLst/>
-          </a:prstGeom>
-        </p:spPr>
-        <p:txBody>
-          <a:bodyPr vert="horz" lIns="91440" tIns="45720" rIns="91440" bIns="45720" rtlCol="0" anchor="ctr" anchorCtr="0">
-            <a:noAutofit/>
-          </a:bodyPr>
+        <p:spPr/>
+        <p:txBody>
+          <a:bodyPr rtlCol="0"/>
           <a:lstStyle/>
           <a:p>
             <a:r>
-              <a:rPr lang="en-US" dirty="0" smtClean="0"/>
+              <a:rPr lang="en-US" smtClean="0"/>
               <a:t>Click to edit Master title style</a:t>
             </a:r>
-            <a:endParaRPr dirty="0"/>
-          </a:p>
-        </p:txBody>
-      </p:sp>
-      <p:sp>
-        <p:nvSpPr>
-          <p:cNvPr id="7" name="Date Placeholder 3"/>
-          <p:cNvSpPr>
-            <a:spLocks noGrp="1"/>
-          </p:cNvSpPr>
-          <p:nvPr>
-            <p:ph type="dt" sz="half" idx="2"/>
-          </p:nvPr>
-        </p:nvSpPr>
-        <p:spPr>
-          <a:xfrm>
-            <a:off x="5616077" y="6319462"/>
-            <a:ext cx="995340" cy="365125"/>
-          </a:xfrm>
-          <a:prstGeom prst="rect">
-            <a:avLst/>
-          </a:prstGeom>
-        </p:spPr>
-        <p:txBody>
-          <a:bodyPr vert="horz" lIns="91440" tIns="45720" rIns="91440" bIns="45720" rtlCol="0" anchor="ctr"/>
-          <a:lstStyle>
-            <a:lvl1pPr algn="r">
-              <a:defRPr sz="1000">
-                <a:solidFill>
-                  <a:srgbClr val="A6A6A6"/>
-                </a:solidFill>
-              </a:defRPr>
-            </a:lvl1pPr>
-          </a:lstStyle>
-          <a:p>
-            <a:fld id="{B01F9CA3-105E-4857-9057-6DB6197DA786}" type="datetimeFigureOut">
-              <a:rPr lang="en-US" smtClean="0"/>
-              <a:pPr/>
-              <a:t>3/16/2013</a:t>
-            </a:fld>
             <a:endParaRPr lang="en-US"/>
-          </a:p>
-        </p:txBody>
-      </p:sp>
-      <p:sp>
-        <p:nvSpPr>
-          <p:cNvPr id="8" name="Slide Number Placeholder 5"/>
-          <p:cNvSpPr>
-            <a:spLocks noGrp="1"/>
-          </p:cNvSpPr>
-          <p:nvPr>
-            <p:ph type="sldNum" sz="quarter" idx="4"/>
-          </p:nvPr>
-        </p:nvSpPr>
-        <p:spPr>
-          <a:xfrm>
-            <a:off x="6618716" y="6319462"/>
-            <a:ext cx="578238" cy="365125"/>
-          </a:xfrm>
-          <a:prstGeom prst="rect">
-            <a:avLst/>
-          </a:prstGeom>
-        </p:spPr>
-        <p:txBody>
-          <a:bodyPr vert="horz" lIns="91440" tIns="45720" rIns="91440" bIns="45720" rtlCol="0" anchor="ctr"/>
-          <a:lstStyle>
-            <a:lvl1pPr algn="r">
-              <a:defRPr sz="1200">
-                <a:solidFill>
-                  <a:srgbClr val="A6A6A6"/>
-                </a:solidFill>
-              </a:defRPr>
-            </a:lvl1pPr>
-          </a:lstStyle>
-          <a:p>
-            <a:fld id="{7F5CE407-6216-4202-80E4-A30DC2F709B2}" type="slidenum">
-              <a:rPr lang="en-US" smtClean="0"/>
-              <a:pPr/>
-              <a:t>‹#›</a:t>
-            </a:fld>
-            <a:endParaRPr lang="en-US" dirty="0"/>
-          </a:p>
-        </p:txBody>
-      </p:sp>
-      <p:sp>
-        <p:nvSpPr>
-          <p:cNvPr id="10" name="Content Placeholder 2"/>
-          <p:cNvSpPr>
-            <a:spLocks noGrp="1"/>
-          </p:cNvSpPr>
-          <p:nvPr>
-            <p:ph idx="1"/>
-          </p:nvPr>
-        </p:nvSpPr>
-        <p:spPr>
-          <a:xfrm>
-            <a:off x="189778" y="1601996"/>
-            <a:ext cx="8761270" cy="4343400"/>
-          </a:xfrm>
-        </p:spPr>
-        <p:txBody>
-          <a:bodyPr/>
-          <a:lstStyle>
-            <a:lvl5pPr>
-              <a:defRPr/>
-            </a:lvl5pPr>
-          </a:lstStyle>
-          <a:p>
-            <a:pPr lvl="0"/>
-            <a:r>
-              <a:rPr lang="en-US" dirty="0" smtClean="0"/>
-              <a:t>Click to edit Master text styles</a:t>
-            </a:r>
-          </a:p>
-          <a:p>
-            <a:pPr lvl="1"/>
-            <a:r>
-              <a:rPr lang="en-US" dirty="0" smtClean="0"/>
-              <a:t>Second level</a:t>
-            </a:r>
-          </a:p>
-          <a:p>
-            <a:pPr lvl="2"/>
-            <a:r>
-              <a:rPr lang="en-US" dirty="0" smtClean="0"/>
-              <a:t>Third level</a:t>
-            </a:r>
-          </a:p>
-          <a:p>
-            <a:pPr lvl="3"/>
-            <a:r>
-              <a:rPr lang="en-US" dirty="0" smtClean="0"/>
-              <a:t>Fourth level</a:t>
-            </a:r>
-          </a:p>
-          <a:p>
-            <a:pPr lvl="4"/>
-            <a:r>
-              <a:rPr lang="en-US" dirty="0" smtClean="0"/>
-              <a:t>Fifth level</a:t>
-            </a:r>
-            <a:endParaRPr dirty="0"/>
           </a:p>
         </p:txBody>
       </p:sp>
     </p:spTree>
     <p:extLst>
       <p:ext uri="{BB962C8B-B14F-4D97-AF65-F5344CB8AC3E}">
-        <p14:creationId xmlns:p14="http://schemas.microsoft.com/office/powerpoint/2010/main" val="1699608879"/>
+        <p14:creationId xmlns:p14="http://schemas.microsoft.com/office/powerpoint/2010/main" val="1534534265"/>
       </p:ext>
     </p:extLst>
   </p:cSld>
   <p:clrMapOvr>
     <a:masterClrMapping/>
   </p:clrMapOvr>
+  <p:transition>
+    <p:fade/>
+  </p:transition>
+</p:sldLayout>
+</file>
+
+<file path=ppt/slideLayouts/slideLayout6.xml><?xml version="1.0" encoding="utf-8"?>
+<p:sldLayout xmlns:a="http://schemas.openxmlformats.org/drawingml/2006/main" xmlns:r="http://schemas.openxmlformats.org/officeDocument/2006/relationships" xmlns:p="http://schemas.openxmlformats.org/presentationml/2006/main" preserve="1" userDrawn="1">
+  <p:cSld name="1_Code Sample">
+    <p:spTree>
+      <p:nvGrpSpPr>
+        <p:cNvPr id="1" name=""/>
+        <p:cNvGrpSpPr/>
+        <p:nvPr/>
+      </p:nvGrpSpPr>
+      <p:grpSpPr>
+        <a:xfrm>
+          <a:off x="0" y="0"/>
+          <a:ext cx="0" cy="0"/>
+          <a:chOff x="0" y="0"/>
+          <a:chExt cx="0" cy="0"/>
+        </a:xfrm>
+      </p:grpSpPr>
+      <p:sp>
+        <p:nvSpPr>
+          <p:cNvPr id="2" name="Title 1"/>
+          <p:cNvSpPr>
+            <a:spLocks noGrp="1"/>
+          </p:cNvSpPr>
+          <p:nvPr>
+            <p:ph type="title"/>
+          </p:nvPr>
+        </p:nvSpPr>
+        <p:spPr/>
+        <p:txBody>
+          <a:bodyPr/>
+          <a:lstStyle/>
+          <a:p>
+            <a:r>
+              <a:rPr lang="en-US" smtClean="0"/>
+              <a:t>Click to edit Master title style</a:t>
+            </a:r>
+            <a:endParaRPr lang="en-US"/>
+          </a:p>
+        </p:txBody>
+      </p:sp>
+      <p:sp>
+        <p:nvSpPr>
+          <p:cNvPr id="5" name="Text Placeholder 4"/>
+          <p:cNvSpPr>
+            <a:spLocks noGrp="1"/>
+          </p:cNvSpPr>
+          <p:nvPr>
+            <p:ph type="body" sz="quarter" idx="10"/>
+          </p:nvPr>
+        </p:nvSpPr>
+        <p:spPr>
+          <a:xfrm>
+            <a:off x="1485900" y="1600200"/>
+            <a:ext cx="6172200" cy="3962400"/>
+          </a:xfrm>
+          <a:solidFill>
+            <a:schemeClr val="accent2"/>
+          </a:solidFill>
+          <a:ln w="9525">
+            <a:solidFill>
+              <a:schemeClr val="tx1"/>
+            </a:solidFill>
+          </a:ln>
+        </p:spPr>
+        <p:txBody>
+          <a:bodyPr/>
+          <a:lstStyle>
+            <a:lvl1pPr>
+              <a:buNone/>
+              <a:defRPr sz="1800" b="0">
+                <a:latin typeface="Consolas" pitchFamily="49" charset="0"/>
+              </a:defRPr>
+            </a:lvl1pPr>
+          </a:lstStyle>
+          <a:p>
+            <a:pPr lvl="0"/>
+            <a:r>
+              <a:rPr lang="en-US" smtClean="0"/>
+              <a:t>Click to edit Master text styles</a:t>
+            </a:r>
+          </a:p>
+        </p:txBody>
+      </p:sp>
+    </p:spTree>
+    <p:extLst>
+      <p:ext uri="{BB962C8B-B14F-4D97-AF65-F5344CB8AC3E}">
+        <p14:creationId xmlns:p14="http://schemas.microsoft.com/office/powerpoint/2010/main" val="2702618575"/>
+      </p:ext>
+    </p:extLst>
+  </p:cSld>
+  <p:clrMapOvr>
+    <a:masterClrMapping/>
+  </p:clrMapOvr>
+  <p:transition>
+    <p:fade/>
+  </p:transition>
+</p:sldLayout>
+</file>
+
+<file path=ppt/slideLayouts/slideLayout7.xml><?xml version="1.0" encoding="utf-8"?>
+<p:sldLayout xmlns:a="http://schemas.openxmlformats.org/drawingml/2006/main" xmlns:r="http://schemas.openxmlformats.org/officeDocument/2006/relationships" xmlns:p="http://schemas.openxmlformats.org/presentationml/2006/main" preserve="1" userDrawn="1">
+  <p:cSld name="1_Blank">
+    <p:spTree>
+      <p:nvGrpSpPr>
+        <p:cNvPr id="1" name=""/>
+        <p:cNvGrpSpPr/>
+        <p:nvPr/>
+      </p:nvGrpSpPr>
+      <p:grpSpPr>
+        <a:xfrm>
+          <a:off x="0" y="0"/>
+          <a:ext cx="0" cy="0"/>
+          <a:chOff x="0" y="0"/>
+          <a:chExt cx="0" cy="0"/>
+        </a:xfrm>
+      </p:grpSpPr>
+      <p:sp>
+        <p:nvSpPr>
+          <p:cNvPr id="2" name="Title 1"/>
+          <p:cNvSpPr>
+            <a:spLocks noGrp="1"/>
+          </p:cNvSpPr>
+          <p:nvPr>
+            <p:ph type="title"/>
+          </p:nvPr>
+        </p:nvSpPr>
+        <p:spPr/>
+        <p:txBody>
+          <a:bodyPr rtlCol="0"/>
+          <a:lstStyle/>
+          <a:p>
+            <a:r>
+              <a:rPr lang="en-US" smtClean="0"/>
+              <a:t>Click to edit Master title style</a:t>
+            </a:r>
+            <a:endParaRPr lang="en-US"/>
+          </a:p>
+        </p:txBody>
+      </p:sp>
+    </p:spTree>
+    <p:extLst>
+      <p:ext uri="{BB962C8B-B14F-4D97-AF65-F5344CB8AC3E}">
+        <p14:creationId xmlns:p14="http://schemas.microsoft.com/office/powerpoint/2010/main" val="4029311227"/>
+      </p:ext>
+    </p:extLst>
+  </p:cSld>
+  <p:clrMapOvr>
+    <a:masterClrMapping/>
+  </p:clrMapOvr>
+  <p:transition>
+    <p:fade/>
+  </p:transition>
+</p:sldLayout>
+</file>
+
+<file path=ppt/slideLayouts/slideLayout8.xml><?xml version="1.0" encoding="utf-8"?>
+<p:sldLayout xmlns:a="http://schemas.openxmlformats.org/drawingml/2006/main" xmlns:r="http://schemas.openxmlformats.org/officeDocument/2006/relationships" xmlns:p="http://schemas.openxmlformats.org/presentationml/2006/main" preserve="1" userDrawn="1">
+  <p:cSld name="2_Code Sample">
+    <p:spTree>
+      <p:nvGrpSpPr>
+        <p:cNvPr id="1" name=""/>
+        <p:cNvGrpSpPr/>
+        <p:nvPr/>
+      </p:nvGrpSpPr>
+      <p:grpSpPr>
+        <a:xfrm>
+          <a:off x="0" y="0"/>
+          <a:ext cx="0" cy="0"/>
+          <a:chOff x="0" y="0"/>
+          <a:chExt cx="0" cy="0"/>
+        </a:xfrm>
+      </p:grpSpPr>
+      <p:sp>
+        <p:nvSpPr>
+          <p:cNvPr id="2" name="Title 1"/>
+          <p:cNvSpPr>
+            <a:spLocks noGrp="1"/>
+          </p:cNvSpPr>
+          <p:nvPr>
+            <p:ph type="title"/>
+          </p:nvPr>
+        </p:nvSpPr>
+        <p:spPr/>
+        <p:txBody>
+          <a:bodyPr/>
+          <a:lstStyle/>
+          <a:p>
+            <a:r>
+              <a:rPr lang="en-US" smtClean="0"/>
+              <a:t>Click to edit Master title style</a:t>
+            </a:r>
+            <a:endParaRPr lang="en-US"/>
+          </a:p>
+        </p:txBody>
+      </p:sp>
+      <p:sp>
+        <p:nvSpPr>
+          <p:cNvPr id="5" name="Text Placeholder 4"/>
+          <p:cNvSpPr>
+            <a:spLocks noGrp="1"/>
+          </p:cNvSpPr>
+          <p:nvPr>
+            <p:ph type="body" sz="quarter" idx="10"/>
+          </p:nvPr>
+        </p:nvSpPr>
+        <p:spPr>
+          <a:xfrm>
+            <a:off x="1485900" y="1600200"/>
+            <a:ext cx="6172200" cy="3962400"/>
+          </a:xfrm>
+          <a:solidFill>
+            <a:schemeClr val="accent2"/>
+          </a:solidFill>
+          <a:ln w="9525">
+            <a:solidFill>
+              <a:schemeClr val="tx1"/>
+            </a:solidFill>
+          </a:ln>
+        </p:spPr>
+        <p:txBody>
+          <a:bodyPr/>
+          <a:lstStyle>
+            <a:lvl1pPr>
+              <a:buNone/>
+              <a:defRPr sz="1800" b="0">
+                <a:latin typeface="Consolas" pitchFamily="49" charset="0"/>
+              </a:defRPr>
+            </a:lvl1pPr>
+          </a:lstStyle>
+          <a:p>
+            <a:pPr lvl="0"/>
+            <a:r>
+              <a:rPr lang="en-US" smtClean="0"/>
+              <a:t>Click to edit Master text styles</a:t>
+            </a:r>
+          </a:p>
+        </p:txBody>
+      </p:sp>
+    </p:spTree>
+    <p:extLst>
+      <p:ext uri="{BB962C8B-B14F-4D97-AF65-F5344CB8AC3E}">
+        <p14:creationId xmlns:p14="http://schemas.microsoft.com/office/powerpoint/2010/main" val="3120387999"/>
+      </p:ext>
+    </p:extLst>
+  </p:cSld>
+  <p:clrMapOvr>
+    <a:masterClrMapping/>
+  </p:clrMapOvr>
+  <p:transition>
+    <p:fade/>
+  </p:transition>
+</p:sldLayout>
+</file>
+
+<file path=ppt/slideLayouts/slideLayout9.xml><?xml version="1.0" encoding="utf-8"?>
+<p:sldLayout xmlns:a="http://schemas.openxmlformats.org/drawingml/2006/main" xmlns:r="http://schemas.openxmlformats.org/officeDocument/2006/relationships" xmlns:p="http://schemas.openxmlformats.org/presentationml/2006/main" preserve="1" userDrawn="1">
+  <p:cSld name="2_Blank">
+    <p:spTree>
+      <p:nvGrpSpPr>
+        <p:cNvPr id="1" name=""/>
+        <p:cNvGrpSpPr/>
+        <p:nvPr/>
+      </p:nvGrpSpPr>
+      <p:grpSpPr>
+        <a:xfrm>
+          <a:off x="0" y="0"/>
+          <a:ext cx="0" cy="0"/>
+          <a:chOff x="0" y="0"/>
+          <a:chExt cx="0" cy="0"/>
+        </a:xfrm>
+      </p:grpSpPr>
+      <p:sp>
+        <p:nvSpPr>
+          <p:cNvPr id="2" name="Title 1"/>
+          <p:cNvSpPr>
+            <a:spLocks noGrp="1"/>
+          </p:cNvSpPr>
+          <p:nvPr>
+            <p:ph type="title"/>
+          </p:nvPr>
+        </p:nvSpPr>
+        <p:spPr/>
+        <p:txBody>
+          <a:bodyPr rtlCol="0"/>
+          <a:lstStyle/>
+          <a:p>
+            <a:r>
+              <a:rPr lang="en-US" smtClean="0"/>
+              <a:t>Click to edit Master title style</a:t>
+            </a:r>
+            <a:endParaRPr lang="en-US"/>
+          </a:p>
+        </p:txBody>
+      </p:sp>
+    </p:spTree>
+    <p:extLst>
+      <p:ext uri="{BB962C8B-B14F-4D97-AF65-F5344CB8AC3E}">
+        <p14:creationId xmlns:p14="http://schemas.microsoft.com/office/powerpoint/2010/main" val="1130531802"/>
+      </p:ext>
+    </p:extLst>
+  </p:cSld>
+  <p:clrMapOvr>
+    <a:masterClrMapping/>
+  </p:clrMapOvr>
+  <p:transition>
+    <p:fade/>
+  </p:transition>
 </p:sldLayout>
 </file>
 
@@ -1289,12 +3709,9 @@
   <p:cSld>
     <p:bg>
       <p:bgPr>
-        <a:blipFill rotWithShape="1">
-          <a:blip r:embed="rId4"/>
-          <a:stretch>
-            <a:fillRect/>
-          </a:stretch>
-        </a:blipFill>
+        <a:solidFill>
+          <a:srgbClr val="BDBDA9"/>
+        </a:solidFill>
         <a:effectLst/>
       </p:bgPr>
     </p:bg>
@@ -1314,522 +3731,712 @@
       </p:grpSpPr>
       <p:sp>
         <p:nvSpPr>
-          <p:cNvPr id="2" name="Title Placeholder 1"/>
-          <p:cNvSpPr>
-            <a:spLocks noGrp="1"/>
-          </p:cNvSpPr>
-          <p:nvPr>
-            <p:ph type="title"/>
-          </p:nvPr>
-        </p:nvSpPr>
-        <p:spPr>
+          <p:cNvPr id="1027" name="Rectangle 1025"/>
+          <p:cNvSpPr>
+            <a:spLocks noGrp="1" noChangeArrowheads="1"/>
+          </p:cNvSpPr>
+          <p:nvPr>
+            <p:ph type="body" idx="1"/>
+          </p:nvPr>
+        </p:nvSpPr>
+        <p:spPr bwMode="auto">
           <a:xfrm>
-            <a:off x="189778" y="107576"/>
-            <a:ext cx="8761270" cy="1228078"/>
+            <a:off x="457200" y="1447800"/>
+            <a:ext cx="8229600" cy="4495800"/>
           </a:xfrm>
           <a:prstGeom prst="rect">
             <a:avLst/>
           </a:prstGeom>
+          <a:noFill/>
+          <a:ln w="9525">
+            <a:noFill/>
+            <a:miter lim="800000"/>
+            <a:headEnd/>
+            <a:tailEnd/>
+          </a:ln>
         </p:spPr>
         <p:txBody>
-          <a:bodyPr vert="horz" lIns="91440" tIns="45720" rIns="91440" bIns="45720" rtlCol="0" anchor="ctr" anchorCtr="0">
-            <a:noAutofit/>
+          <a:bodyPr vert="horz" wrap="square" lIns="91440" tIns="45720" rIns="91440" bIns="45720" numCol="1" anchor="t" anchorCtr="0" compatLnSpc="1">
+            <a:prstTxWarp prst="textNoShape">
+              <a:avLst/>
+            </a:prstTxWarp>
           </a:bodyPr>
           <a:lstStyle/>
           <a:p>
-            <a:r>
-              <a:rPr lang="en-US" dirty="0" smtClean="0"/>
-              <a:t>Click to edit Master title style</a:t>
-            </a:r>
-            <a:endParaRPr dirty="0"/>
-          </a:p>
-        </p:txBody>
-      </p:sp>
-      <p:sp>
-        <p:nvSpPr>
-          <p:cNvPr id="3" name="Text Placeholder 2"/>
-          <p:cNvSpPr>
-            <a:spLocks noGrp="1"/>
-          </p:cNvSpPr>
-          <p:nvPr>
-            <p:ph type="body" idx="1"/>
-          </p:nvPr>
-        </p:nvSpPr>
-        <p:spPr>
+            <a:pPr lvl="0"/>
+            <a:r>
+              <a:rPr lang="en-US" smtClean="0"/>
+              <a:t>Click to edit Master text styles</a:t>
+            </a:r>
+          </a:p>
+          <a:p>
+            <a:pPr lvl="1"/>
+            <a:r>
+              <a:rPr lang="en-US" smtClean="0"/>
+              <a:t>Second level</a:t>
+            </a:r>
+          </a:p>
+          <a:p>
+            <a:pPr lvl="2"/>
+            <a:r>
+              <a:rPr lang="en-US" smtClean="0"/>
+              <a:t>Third level</a:t>
+            </a:r>
+          </a:p>
+          <a:p>
+            <a:pPr lvl="3"/>
+            <a:r>
+              <a:rPr lang="en-US" smtClean="0"/>
+              <a:t>Fourth level</a:t>
+            </a:r>
+          </a:p>
+          <a:p>
+            <a:pPr lvl="4"/>
+            <a:r>
+              <a:rPr lang="en-US" smtClean="0"/>
+              <a:t>Fifth level</a:t>
+            </a:r>
+          </a:p>
+        </p:txBody>
+      </p:sp>
+      <p:sp>
+        <p:nvSpPr>
+          <p:cNvPr id="1028" name="Rectangle 1026"/>
+          <p:cNvSpPr>
+            <a:spLocks noGrp="1" noChangeArrowheads="1"/>
+          </p:cNvSpPr>
+          <p:nvPr>
+            <p:ph type="title"/>
+          </p:nvPr>
+        </p:nvSpPr>
+        <p:spPr bwMode="auto">
           <a:xfrm>
-            <a:off x="189778" y="1518121"/>
-            <a:ext cx="8761270" cy="4425480"/>
+            <a:off x="457200" y="304800"/>
+            <a:ext cx="8229600" cy="762000"/>
           </a:xfrm>
           <a:prstGeom prst="rect">
             <a:avLst/>
           </a:prstGeom>
+          <a:noFill/>
+          <a:ln w="9525">
+            <a:noFill/>
+            <a:miter lim="800000"/>
+            <a:headEnd/>
+            <a:tailEnd/>
+          </a:ln>
         </p:spPr>
         <p:txBody>
-          <a:bodyPr vert="horz" lIns="91440" tIns="45720" rIns="91440" bIns="45720" rtlCol="0">
-            <a:normAutofit/>
+          <a:bodyPr vert="horz" wrap="square" lIns="91440" tIns="45720" rIns="91440" bIns="45720" numCol="1" anchor="ctr" anchorCtr="0" compatLnSpc="1">
+            <a:prstTxWarp prst="textNoShape">
+              <a:avLst/>
+            </a:prstTxWarp>
           </a:bodyPr>
           <a:lstStyle/>
           <a:p>
             <a:pPr lvl="0"/>
             <a:r>
-              <a:rPr lang="en-US" dirty="0" smtClean="0"/>
-              <a:t>Click to edit Master text styles</a:t>
-            </a:r>
-          </a:p>
-          <a:p>
-            <a:pPr lvl="1"/>
-            <a:r>
-              <a:rPr lang="en-US" dirty="0" smtClean="0"/>
-              <a:t>Second level</a:t>
-            </a:r>
-          </a:p>
-          <a:p>
-            <a:pPr lvl="2"/>
-            <a:r>
-              <a:rPr lang="en-US" dirty="0" smtClean="0"/>
-              <a:t>Third level</a:t>
-            </a:r>
-          </a:p>
-          <a:p>
-            <a:pPr lvl="3"/>
-            <a:r>
-              <a:rPr lang="en-US" dirty="0" smtClean="0"/>
-              <a:t>Fourth level</a:t>
-            </a:r>
-          </a:p>
-          <a:p>
-            <a:pPr lvl="4"/>
-            <a:r>
-              <a:rPr lang="en-US" dirty="0" smtClean="0"/>
-              <a:t>Fifth level</a:t>
-            </a:r>
-            <a:endParaRPr dirty="0"/>
-          </a:p>
-        </p:txBody>
-      </p:sp>
-      <p:sp>
-        <p:nvSpPr>
-          <p:cNvPr id="4" name="Date Placeholder 3"/>
-          <p:cNvSpPr>
-            <a:spLocks noGrp="1"/>
-          </p:cNvSpPr>
-          <p:nvPr>
-            <p:ph type="dt" sz="half" idx="2"/>
-          </p:nvPr>
-        </p:nvSpPr>
-        <p:spPr>
+              <a:rPr lang="en-US" smtClean="0"/>
+              <a:t>Click to edit Master title style</a:t>
+            </a:r>
+          </a:p>
+        </p:txBody>
+      </p:sp>
+      <p:cxnSp>
+        <p:nvCxnSpPr>
+          <p:cNvPr id="14" name="Straight Connector 13"/>
+          <p:cNvCxnSpPr/>
+          <p:nvPr/>
+        </p:nvCxnSpPr>
+        <p:spPr bwMode="auto">
           <a:xfrm>
-            <a:off x="5616077" y="6319462"/>
-            <a:ext cx="995340" cy="365125"/>
+            <a:off x="0" y="6780212"/>
+            <a:ext cx="9144000" cy="1588"/>
+          </a:xfrm>
+          <a:prstGeom prst="line">
+            <a:avLst/>
+          </a:prstGeom>
+          <a:gradFill rotWithShape="1">
+            <a:gsLst>
+              <a:gs pos="0">
+                <a:srgbClr val="A4D289"/>
+              </a:gs>
+              <a:gs pos="100000">
+                <a:schemeClr val="bg1"/>
+              </a:gs>
+            </a:gsLst>
+            <a:lin ang="5400000" scaled="1"/>
+          </a:gradFill>
+          <a:ln w="152400" cap="flat" cmpd="sng" algn="ctr">
+            <a:solidFill>
+              <a:srgbClr val="800000"/>
+            </a:solidFill>
+            <a:prstDash val="solid"/>
+            <a:round/>
+            <a:headEnd type="none" w="med" len="med"/>
+            <a:tailEnd type="none" w="med" len="med"/>
+          </a:ln>
+          <a:effectLst>
+            <a:glow rad="63500">
+              <a:schemeClr val="bg2">
+                <a:lumMod val="60000"/>
+                <a:lumOff val="40000"/>
+                <a:alpha val="40000"/>
+              </a:schemeClr>
+            </a:glow>
+          </a:effectLst>
+        </p:spPr>
+      </p:cxnSp>
+      <p:pic>
+        <p:nvPicPr>
+          <p:cNvPr id="8" name="Picture 6" descr="http://www.odetocode.com/">
+            <a:hlinkClick r:id="rId22"/>
+          </p:cNvPr>
+          <p:cNvPicPr>
+            <a:picLocks noChangeAspect="1" noChangeArrowheads="1"/>
+          </p:cNvPicPr>
+          <p:nvPr userDrawn="1"/>
+        </p:nvPicPr>
+        <p:blipFill>
+          <a:blip r:embed="rId23"/>
+          <a:srcRect r="26934"/>
+          <a:stretch>
+            <a:fillRect/>
+          </a:stretch>
+        </p:blipFill>
+        <p:spPr bwMode="auto">
+          <a:xfrm>
+            <a:off x="7620000" y="6266497"/>
+            <a:ext cx="1295400" cy="439103"/>
           </a:xfrm>
           <a:prstGeom prst="rect">
             <a:avLst/>
           </a:prstGeom>
+          <a:ln w="38100" cap="sq">
+            <a:solidFill>
+              <a:srgbClr val="000000"/>
+            </a:solidFill>
+            <a:prstDash val="solid"/>
+            <a:miter lim="800000"/>
+          </a:ln>
+          <a:effectLst>
+            <a:outerShdw blurRad="50800" dist="38100" dir="2700000" algn="tl" rotWithShape="0">
+              <a:srgbClr val="000000">
+                <a:alpha val="43000"/>
+              </a:srgbClr>
+            </a:outerShdw>
+          </a:effectLst>
         </p:spPr>
-        <p:txBody>
-          <a:bodyPr vert="horz" lIns="91440" tIns="45720" rIns="91440" bIns="45720" rtlCol="0" anchor="ctr"/>
-          <a:lstStyle>
-            <a:lvl1pPr algn="r">
-              <a:defRPr sz="1000">
-                <a:solidFill>
-                  <a:srgbClr val="A6A6A6"/>
-                </a:solidFill>
-              </a:defRPr>
-            </a:lvl1pPr>
-          </a:lstStyle>
-          <a:p>
-            <a:fld id="{B01F9CA3-105E-4857-9057-6DB6197DA786}" type="datetimeFigureOut">
-              <a:rPr lang="en-US" smtClean="0"/>
-              <a:pPr/>
-              <a:t>3/16/2013</a:t>
-            </a:fld>
-            <a:endParaRPr lang="en-US"/>
-          </a:p>
-        </p:txBody>
-      </p:sp>
-      <p:sp>
-        <p:nvSpPr>
-          <p:cNvPr id="6" name="Slide Number Placeholder 5"/>
-          <p:cNvSpPr>
-            <a:spLocks noGrp="1"/>
-          </p:cNvSpPr>
-          <p:nvPr>
-            <p:ph type="sldNum" sz="quarter" idx="4"/>
-          </p:nvPr>
-        </p:nvSpPr>
-        <p:spPr>
-          <a:xfrm>
-            <a:off x="6618716" y="6319462"/>
-            <a:ext cx="578238" cy="365125"/>
-          </a:xfrm>
-          <a:prstGeom prst="rect">
-            <a:avLst/>
-          </a:prstGeom>
-        </p:spPr>
-        <p:txBody>
-          <a:bodyPr vert="horz" lIns="91440" tIns="45720" rIns="91440" bIns="45720" rtlCol="0" anchor="ctr"/>
-          <a:lstStyle>
-            <a:lvl1pPr algn="r">
-              <a:defRPr sz="1200">
-                <a:solidFill>
-                  <a:srgbClr val="A6A6A6"/>
-                </a:solidFill>
-              </a:defRPr>
-            </a:lvl1pPr>
-          </a:lstStyle>
-          <a:p>
-            <a:fld id="{7F5CE407-6216-4202-80E4-A30DC2F709B2}" type="slidenum">
-              <a:rPr lang="en-US" smtClean="0"/>
-              <a:pPr/>
-              <a:t>‹#›</a:t>
-            </a:fld>
-            <a:endParaRPr lang="en-US" dirty="0"/>
-          </a:p>
-        </p:txBody>
-      </p:sp>
+      </p:pic>
     </p:spTree>
     <p:extLst>
       <p:ext uri="{BB962C8B-B14F-4D97-AF65-F5344CB8AC3E}">
-        <p14:creationId xmlns:p14="http://schemas.microsoft.com/office/powerpoint/2010/main" val="1917292582"/>
+        <p14:creationId xmlns:p14="http://schemas.microsoft.com/office/powerpoint/2010/main" val="3289837316"/>
       </p:ext>
     </p:extLst>
   </p:cSld>
   <p:clrMap bg1="lt1" tx1="dk1" bg2="lt2" tx2="dk2" accent1="accent1" accent2="accent2" accent3="accent3" accent4="accent4" accent5="accent5" accent6="accent6" hlink="hlink" folHlink="folHlink"/>
   <p:sldLayoutIdLst>
-    <p:sldLayoutId id="2147483752" r:id="rId1"/>
-    <p:sldLayoutId id="2147483753" r:id="rId2"/>
+    <p:sldLayoutId id="2147483755" r:id="rId1"/>
+    <p:sldLayoutId id="2147483756" r:id="rId2"/>
+    <p:sldLayoutId id="2147483757" r:id="rId3"/>
+    <p:sldLayoutId id="2147483758" r:id="rId4"/>
+    <p:sldLayoutId id="2147483759" r:id="rId5"/>
+    <p:sldLayoutId id="2147483760" r:id="rId6"/>
+    <p:sldLayoutId id="2147483761" r:id="rId7"/>
+    <p:sldLayoutId id="2147483762" r:id="rId8"/>
+    <p:sldLayoutId id="2147483763" r:id="rId9"/>
+    <p:sldLayoutId id="2147483764" r:id="rId10"/>
+    <p:sldLayoutId id="2147483765" r:id="rId11"/>
+    <p:sldLayoutId id="2147483766" r:id="rId12"/>
+    <p:sldLayoutId id="2147483767" r:id="rId13"/>
+    <p:sldLayoutId id="2147483768" r:id="rId14"/>
+    <p:sldLayoutId id="2147483769" r:id="rId15"/>
+    <p:sldLayoutId id="2147483770" r:id="rId16"/>
+    <p:sldLayoutId id="2147483771" r:id="rId17"/>
+    <p:sldLayoutId id="2147483772" r:id="rId18"/>
+    <p:sldLayoutId id="2147483773" r:id="rId19"/>
+    <p:sldLayoutId id="2147483774" r:id="rId20"/>
   </p:sldLayoutIdLst>
+  <p:transition>
+    <p:fade/>
+  </p:transition>
+  <p:timing>
+    <p:tnLst>
+      <p:par>
+        <p:cTn id="1" dur="indefinite" restart="never" nodeType="tmRoot"/>
+      </p:par>
+    </p:tnLst>
+  </p:timing>
   <p:txStyles>
     <p:titleStyle>
-      <a:lvl1pPr algn="l" defTabSz="914400" rtl="0" eaLnBrk="1" latinLnBrk="0" hangingPunct="1">
+      <a:lvl1pPr marL="342900" indent="-342900" algn="ctr" defTabSz="-13873163" rtl="0" eaLnBrk="1" fontAlgn="base" hangingPunct="1">
         <a:spcBef>
           <a:spcPct val="0"/>
         </a:spcBef>
-        <a:buNone/>
-        <a:defRPr sz="3000" kern="1200">
+        <a:spcAft>
+          <a:spcPct val="0"/>
+        </a:spcAft>
+        <a:defRPr sz="2800" b="1">
           <a:solidFill>
-            <a:schemeClr val="tx1">
-              <a:lumMod val="65000"/>
-              <a:lumOff val="35000"/>
+            <a:schemeClr val="tx2"/>
+          </a:solidFill>
+          <a:latin typeface="Myriad Pro" pitchFamily="34" charset="0"/>
+          <a:ea typeface="+mj-ea"/>
+          <a:cs typeface="Segoe UI" pitchFamily="34" charset="0"/>
+        </a:defRPr>
+      </a:lvl1pPr>
+      <a:lvl2pPr marL="342900" indent="-342900" algn="ctr" defTabSz="-13873163" rtl="0" eaLnBrk="1" fontAlgn="base" hangingPunct="1">
+        <a:spcBef>
+          <a:spcPct val="0"/>
+        </a:spcBef>
+        <a:spcAft>
+          <a:spcPct val="0"/>
+        </a:spcAft>
+        <a:defRPr sz="2800" b="1">
+          <a:solidFill>
+            <a:schemeClr val="tx2"/>
+          </a:solidFill>
+          <a:latin typeface="Myriad Pro" pitchFamily="34" charset="0"/>
+          <a:cs typeface="Segoe UI" pitchFamily="34" charset="0"/>
+        </a:defRPr>
+      </a:lvl2pPr>
+      <a:lvl3pPr marL="342900" indent="-342900" algn="ctr" defTabSz="-13873163" rtl="0" eaLnBrk="1" fontAlgn="base" hangingPunct="1">
+        <a:spcBef>
+          <a:spcPct val="0"/>
+        </a:spcBef>
+        <a:spcAft>
+          <a:spcPct val="0"/>
+        </a:spcAft>
+        <a:defRPr sz="2800" b="1">
+          <a:solidFill>
+            <a:schemeClr val="tx2"/>
+          </a:solidFill>
+          <a:latin typeface="Myriad Pro" pitchFamily="34" charset="0"/>
+          <a:cs typeface="Segoe UI" pitchFamily="34" charset="0"/>
+        </a:defRPr>
+      </a:lvl3pPr>
+      <a:lvl4pPr marL="342900" indent="-342900" algn="ctr" defTabSz="-13873163" rtl="0" eaLnBrk="1" fontAlgn="base" hangingPunct="1">
+        <a:spcBef>
+          <a:spcPct val="0"/>
+        </a:spcBef>
+        <a:spcAft>
+          <a:spcPct val="0"/>
+        </a:spcAft>
+        <a:defRPr sz="2800" b="1">
+          <a:solidFill>
+            <a:schemeClr val="tx2"/>
+          </a:solidFill>
+          <a:latin typeface="Myriad Pro" pitchFamily="34" charset="0"/>
+          <a:cs typeface="Segoe UI" pitchFamily="34" charset="0"/>
+        </a:defRPr>
+      </a:lvl4pPr>
+      <a:lvl5pPr marL="342900" indent="-342900" algn="ctr" defTabSz="-13873163" rtl="0" eaLnBrk="1" fontAlgn="base" hangingPunct="1">
+        <a:spcBef>
+          <a:spcPct val="0"/>
+        </a:spcBef>
+        <a:spcAft>
+          <a:spcPct val="0"/>
+        </a:spcAft>
+        <a:defRPr sz="2800" b="1">
+          <a:solidFill>
+            <a:schemeClr val="tx2"/>
+          </a:solidFill>
+          <a:latin typeface="Myriad Pro" pitchFamily="34" charset="0"/>
+          <a:cs typeface="Segoe UI" pitchFamily="34" charset="0"/>
+        </a:defRPr>
+      </a:lvl5pPr>
+      <a:lvl6pPr marL="457200" algn="l" eaLnBrk="1" fontAlgn="base" hangingPunct="1">
+        <a:spcBef>
+          <a:spcPct val="0"/>
+        </a:spcBef>
+        <a:spcAft>
+          <a:spcPct val="0"/>
+        </a:spcAft>
+        <a:defRPr sz="2800" b="1">
+          <a:solidFill>
+            <a:schemeClr val="tx2">
+              <a:alpha val="100000"/>
             </a:schemeClr>
           </a:solidFill>
-          <a:latin typeface="Segoe UI"/>
-          <a:ea typeface="+mj-ea"/>
-          <a:cs typeface="Segoe UI"/>
+          <a:latin typeface="Verdana"/>
         </a:defRPr>
-      </a:lvl1pPr>
+      </a:lvl6pPr>
+      <a:lvl7pPr marL="914400" algn="l" eaLnBrk="1" fontAlgn="base" hangingPunct="1">
+        <a:spcBef>
+          <a:spcPct val="0"/>
+        </a:spcBef>
+        <a:spcAft>
+          <a:spcPct val="0"/>
+        </a:spcAft>
+        <a:defRPr sz="2800" b="1">
+          <a:solidFill>
+            <a:schemeClr val="tx2">
+              <a:alpha val="100000"/>
+            </a:schemeClr>
+          </a:solidFill>
+          <a:latin typeface="Verdana"/>
+        </a:defRPr>
+      </a:lvl7pPr>
+      <a:lvl8pPr marL="1371600" algn="l" eaLnBrk="1" fontAlgn="base" hangingPunct="1">
+        <a:spcBef>
+          <a:spcPct val="0"/>
+        </a:spcBef>
+        <a:spcAft>
+          <a:spcPct val="0"/>
+        </a:spcAft>
+        <a:defRPr sz="2800" b="1">
+          <a:solidFill>
+            <a:schemeClr val="tx2">
+              <a:alpha val="100000"/>
+            </a:schemeClr>
+          </a:solidFill>
+          <a:latin typeface="Verdana"/>
+        </a:defRPr>
+      </a:lvl8pPr>
+      <a:lvl9pPr marL="1828800" algn="l" eaLnBrk="1" fontAlgn="base" hangingPunct="1">
+        <a:spcBef>
+          <a:spcPct val="0"/>
+        </a:spcBef>
+        <a:spcAft>
+          <a:spcPct val="0"/>
+        </a:spcAft>
+        <a:defRPr sz="2800" b="1">
+          <a:solidFill>
+            <a:schemeClr val="tx2">
+              <a:alpha val="100000"/>
+            </a:schemeClr>
+          </a:solidFill>
+          <a:latin typeface="Verdana"/>
+        </a:defRPr>
+      </a:lvl9pPr>
     </p:titleStyle>
     <p:bodyStyle>
-      <a:lvl1pPr marL="349250" indent="-349250" algn="l" defTabSz="914400" rtl="0" eaLnBrk="1" latinLnBrk="0" hangingPunct="1">
-        <a:spcBef>
-          <a:spcPts val="2000"/>
-        </a:spcBef>
-        <a:buClr>
-          <a:schemeClr val="accent1">
-            <a:lumMod val="60000"/>
-            <a:lumOff val="40000"/>
-          </a:schemeClr>
-        </a:buClr>
-        <a:buSzPct val="110000"/>
-        <a:buFont typeface="Wingdings 2" pitchFamily="18" charset="2"/>
-        <a:buChar char=""/>
-        <a:defRPr sz="1800" kern="1200">
-          <a:solidFill>
-            <a:schemeClr val="tx1">
-              <a:lumMod val="65000"/>
-              <a:lumOff val="35000"/>
-            </a:schemeClr>
-          </a:solidFill>
-          <a:latin typeface="Segoe UI"/>
-          <a:ea typeface="+mn-ea"/>
-          <a:cs typeface="Segoe UI"/>
-        </a:defRPr>
-      </a:lvl1pPr>
-      <a:lvl2pPr marL="685800" indent="-336550" algn="l" defTabSz="914400" rtl="0" eaLnBrk="1" latinLnBrk="0" hangingPunct="1">
-        <a:spcBef>
-          <a:spcPts val="600"/>
-        </a:spcBef>
-        <a:buClr>
-          <a:schemeClr val="accent1">
-            <a:lumMod val="75000"/>
-          </a:schemeClr>
-        </a:buClr>
-        <a:buSzPct val="110000"/>
-        <a:buFont typeface="Wingdings 2" pitchFamily="18" charset="2"/>
-        <a:buChar char=""/>
-        <a:defRPr sz="1800" kern="1200">
-          <a:solidFill>
-            <a:schemeClr val="tx1">
-              <a:lumMod val="65000"/>
-              <a:lumOff val="35000"/>
-            </a:schemeClr>
-          </a:solidFill>
-          <a:latin typeface="Segoe UI"/>
-          <a:ea typeface="+mn-ea"/>
-          <a:cs typeface="Segoe UI"/>
-        </a:defRPr>
-      </a:lvl2pPr>
-      <a:lvl3pPr marL="968375" indent="-282575" algn="l" defTabSz="914400" rtl="0" eaLnBrk="1" latinLnBrk="0" hangingPunct="1">
-        <a:spcBef>
-          <a:spcPts val="600"/>
-        </a:spcBef>
-        <a:buClr>
-          <a:schemeClr val="accent1">
-            <a:lumMod val="60000"/>
-            <a:lumOff val="40000"/>
-          </a:schemeClr>
-        </a:buClr>
-        <a:buSzPct val="110000"/>
-        <a:buFont typeface="Wingdings 2" pitchFamily="18" charset="2"/>
-        <a:buChar char=""/>
-        <a:defRPr sz="1600" kern="1200">
-          <a:solidFill>
-            <a:schemeClr val="tx1">
-              <a:lumMod val="65000"/>
-              <a:lumOff val="35000"/>
-            </a:schemeClr>
-          </a:solidFill>
-          <a:latin typeface="Segoe UI"/>
-          <a:ea typeface="+mn-ea"/>
-          <a:cs typeface="Segoe UI"/>
-        </a:defRPr>
-      </a:lvl3pPr>
-      <a:lvl4pPr marL="1263650" indent="-295275" algn="l" defTabSz="914400" rtl="0" eaLnBrk="1" latinLnBrk="0" hangingPunct="1">
-        <a:spcBef>
-          <a:spcPts val="600"/>
-        </a:spcBef>
-        <a:buClr>
-          <a:schemeClr val="accent1">
-            <a:lumMod val="75000"/>
-          </a:schemeClr>
-        </a:buClr>
-        <a:buSzPct val="110000"/>
-        <a:buFont typeface="Wingdings 2" pitchFamily="18" charset="2"/>
-        <a:buChar char=""/>
-        <a:defRPr sz="1400" kern="1200">
-          <a:solidFill>
-            <a:schemeClr val="tx1">
-              <a:lumMod val="65000"/>
-              <a:lumOff val="35000"/>
-            </a:schemeClr>
-          </a:solidFill>
-          <a:latin typeface="Segoe UI"/>
-          <a:ea typeface="+mn-ea"/>
-          <a:cs typeface="Segoe UI"/>
-        </a:defRPr>
-      </a:lvl4pPr>
-      <a:lvl5pPr marL="1546225" indent="-282575" algn="l" defTabSz="914400" rtl="0" eaLnBrk="1" latinLnBrk="0" hangingPunct="1">
-        <a:spcBef>
-          <a:spcPts val="600"/>
-        </a:spcBef>
-        <a:buClr>
-          <a:schemeClr val="accent1">
-            <a:lumMod val="60000"/>
-            <a:lumOff val="40000"/>
-          </a:schemeClr>
-        </a:buClr>
-        <a:buSzPct val="110000"/>
-        <a:buFont typeface="Wingdings 2" pitchFamily="18" charset="2"/>
-        <a:buChar char=""/>
-        <a:defRPr sz="1400" kern="1200">
-          <a:solidFill>
-            <a:schemeClr val="tx1">
-              <a:lumMod val="65000"/>
-              <a:lumOff val="35000"/>
-            </a:schemeClr>
-          </a:solidFill>
-          <a:latin typeface="Segoe UI"/>
-          <a:ea typeface="+mn-ea"/>
-          <a:cs typeface="Segoe UI"/>
-        </a:defRPr>
-      </a:lvl5pPr>
-      <a:lvl6pPr marL="1828800" indent="-282575" algn="l" defTabSz="914400" rtl="0" eaLnBrk="1" latinLnBrk="0" hangingPunct="1">
+      <a:lvl1pPr marL="342900" indent="-342900" algn="l" defTabSz="-13873163" rtl="0" eaLnBrk="1" fontAlgn="base" hangingPunct="1">
         <a:spcBef>
           <a:spcPct val="20000"/>
         </a:spcBef>
+        <a:spcAft>
+          <a:spcPct val="0"/>
+        </a:spcAft>
+        <a:buFont typeface="Wingdings" pitchFamily="2" charset="2"/>
+        <a:buChar char="§"/>
+        <a:defRPr sz="2000" b="1">
+          <a:solidFill>
+            <a:schemeClr val="tx1"/>
+          </a:solidFill>
+          <a:latin typeface="Myriad Pro Light" pitchFamily="34" charset="0"/>
+          <a:ea typeface="+mn-ea"/>
+          <a:cs typeface="Segoe UI" pitchFamily="34" charset="0"/>
+        </a:defRPr>
+      </a:lvl1pPr>
+      <a:lvl2pPr marL="742950" indent="-285750" algn="l" defTabSz="-13873163" rtl="0" eaLnBrk="1" fontAlgn="base" hangingPunct="1">
+        <a:spcBef>
+          <a:spcPct val="20000"/>
+        </a:spcBef>
+        <a:spcAft>
+          <a:spcPct val="0"/>
+        </a:spcAft>
+        <a:buSzPct val="50000"/>
+        <a:buFont typeface="Wingdings" pitchFamily="2" charset="2"/>
+        <a:buChar char="o"/>
+        <a:defRPr>
+          <a:solidFill>
+            <a:schemeClr val="tx1"/>
+          </a:solidFill>
+          <a:latin typeface="Myriad Pro" pitchFamily="34" charset="0"/>
+          <a:cs typeface="Segoe UI" pitchFamily="34" charset="0"/>
+        </a:defRPr>
+      </a:lvl2pPr>
+      <a:lvl3pPr marL="1143000" indent="-228600" algn="l" defTabSz="-13873163" rtl="0" eaLnBrk="1" fontAlgn="base" hangingPunct="1">
+        <a:spcBef>
+          <a:spcPct val="20000"/>
+        </a:spcBef>
+        <a:spcAft>
+          <a:spcPct val="0"/>
+        </a:spcAft>
+        <a:buSzPct val="50000"/>
+        <a:buFont typeface="Wingdings" pitchFamily="2" charset="2"/>
+        <a:buChar char="o"/>
+        <a:defRPr sz="1600">
+          <a:solidFill>
+            <a:schemeClr val="tx1"/>
+          </a:solidFill>
+          <a:latin typeface="Myriad Pro" pitchFamily="34" charset="0"/>
+          <a:cs typeface="Segoe UI" pitchFamily="34" charset="0"/>
+        </a:defRPr>
+      </a:lvl3pPr>
+      <a:lvl4pPr marL="1600200" indent="-228600" algn="l" defTabSz="-13873163" rtl="0" eaLnBrk="1" fontAlgn="base" hangingPunct="1">
+        <a:spcBef>
+          <a:spcPct val="20000"/>
+        </a:spcBef>
+        <a:spcAft>
+          <a:spcPct val="0"/>
+        </a:spcAft>
+        <a:buSzPct val="50000"/>
+        <a:buFont typeface="Wingdings" pitchFamily="2" charset="2"/>
+        <a:buChar char="o"/>
+        <a:defRPr sz="1400">
+          <a:solidFill>
+            <a:schemeClr val="tx1"/>
+          </a:solidFill>
+          <a:latin typeface="Myriad Pro" pitchFamily="34" charset="0"/>
+          <a:cs typeface="Segoe UI" pitchFamily="34" charset="0"/>
+        </a:defRPr>
+      </a:lvl4pPr>
+      <a:lvl5pPr marL="2057400" indent="-228600" algn="l" defTabSz="-13873163" rtl="0" eaLnBrk="1" fontAlgn="base" hangingPunct="1">
+        <a:spcBef>
+          <a:spcPct val="20000"/>
+        </a:spcBef>
+        <a:spcAft>
+          <a:spcPct val="0"/>
+        </a:spcAft>
+        <a:buSzPct val="50000"/>
+        <a:buFont typeface="Wingdings" pitchFamily="2" charset="2"/>
+        <a:buChar char="o"/>
+        <a:defRPr sz="1200">
+          <a:solidFill>
+            <a:schemeClr val="tx1"/>
+          </a:solidFill>
+          <a:latin typeface="Myriad Pro" pitchFamily="34" charset="0"/>
+          <a:cs typeface="Segoe UI" pitchFamily="34" charset="0"/>
+        </a:defRPr>
+      </a:lvl5pPr>
+      <a:lvl6pPr marL="2514600" indent="-228600" algn="l" eaLnBrk="1" fontAlgn="base" hangingPunct="1">
+        <a:spcBef>
+          <a:spcPct val="20000"/>
+        </a:spcBef>
+        <a:spcAft>
+          <a:spcPct val="0"/>
+        </a:spcAft>
         <a:buClr>
-          <a:schemeClr val="accent2"/>
+          <a:schemeClr val="accent1">
+            <a:alpha val="100000"/>
+          </a:schemeClr>
         </a:buClr>
-        <a:buSzPct val="110000"/>
-        <a:buFont typeface="Wingdings 2" pitchFamily="18" charset="2"/>
-        <a:buChar char=""/>
-        <a:defRPr lang="en-US" sz="1800" kern="1200" dirty="0" smtClean="0">
+        <a:buFont typeface="Wingdings"/>
+        <a:buChar char=""/>
+        <a:defRPr sz="1400" b="1">
           <a:solidFill>
             <a:schemeClr val="tx1">
-              <a:lumMod val="65000"/>
-              <a:lumOff val="35000"/>
+              <a:alpha val="100000"/>
             </a:schemeClr>
           </a:solidFill>
           <a:latin typeface="+mn-lt"/>
-          <a:ea typeface="+mn-ea"/>
-          <a:cs typeface="+mn-cs"/>
         </a:defRPr>
       </a:lvl6pPr>
-      <a:lvl7pPr marL="2117725" indent="-282575" algn="l" defTabSz="914400" rtl="0" eaLnBrk="1" latinLnBrk="0" hangingPunct="1">
+      <a:lvl7pPr marL="2971800" indent="-228600" algn="l" eaLnBrk="1" fontAlgn="base" hangingPunct="1">
         <a:spcBef>
           <a:spcPct val="20000"/>
         </a:spcBef>
+        <a:spcAft>
+          <a:spcPct val="0"/>
+        </a:spcAft>
         <a:buClr>
           <a:schemeClr val="accent1">
-            <a:lumMod val="60000"/>
-            <a:lumOff val="40000"/>
+            <a:alpha val="100000"/>
           </a:schemeClr>
         </a:buClr>
-        <a:buSzPct val="110000"/>
-        <a:buFont typeface="Wingdings 2" pitchFamily="18" charset="2"/>
-        <a:buChar char=""/>
-        <a:defRPr lang="en-US" sz="1800" kern="1200" dirty="0" smtClean="0">
+        <a:buFont typeface="Wingdings"/>
+        <a:buChar char=""/>
+        <a:defRPr sz="1400" b="1">
           <a:solidFill>
             <a:schemeClr val="tx1">
-              <a:lumMod val="65000"/>
-              <a:lumOff val="35000"/>
+              <a:alpha val="100000"/>
             </a:schemeClr>
           </a:solidFill>
           <a:latin typeface="+mn-lt"/>
-          <a:ea typeface="+mn-ea"/>
-          <a:cs typeface="+mn-cs"/>
         </a:defRPr>
       </a:lvl7pPr>
-      <a:lvl8pPr marL="2398713" indent="-282575" algn="l" defTabSz="914400" rtl="0" eaLnBrk="1" latinLnBrk="0" hangingPunct="1">
+      <a:lvl8pPr marL="3429000" indent="-228600" algn="l" eaLnBrk="1" fontAlgn="base" hangingPunct="1">
         <a:spcBef>
           <a:spcPct val="20000"/>
         </a:spcBef>
+        <a:spcAft>
+          <a:spcPct val="0"/>
+        </a:spcAft>
         <a:buClr>
-          <a:schemeClr val="accent2"/>
+          <a:schemeClr val="accent1">
+            <a:alpha val="100000"/>
+          </a:schemeClr>
         </a:buClr>
-        <a:buSzPct val="110000"/>
-        <a:buFont typeface="Wingdings 2" pitchFamily="18" charset="2"/>
-        <a:buChar char=""/>
-        <a:defRPr lang="en-US" sz="1800" kern="1200" dirty="0" smtClean="0">
+        <a:buFont typeface="Wingdings"/>
+        <a:buChar char=""/>
+        <a:defRPr sz="1400" b="1">
           <a:solidFill>
             <a:schemeClr val="tx1">
-              <a:lumMod val="65000"/>
-              <a:lumOff val="35000"/>
+              <a:alpha val="100000"/>
             </a:schemeClr>
           </a:solidFill>
           <a:latin typeface="+mn-lt"/>
-          <a:ea typeface="+mn-ea"/>
-          <a:cs typeface="+mn-cs"/>
         </a:defRPr>
       </a:lvl8pPr>
-      <a:lvl9pPr marL="2689225" indent="-282575" algn="l" defTabSz="914400" rtl="0" eaLnBrk="1" latinLnBrk="0" hangingPunct="1">
+      <a:lvl9pPr marL="3886200" indent="-228600" algn="l" eaLnBrk="1" fontAlgn="base" hangingPunct="1">
         <a:spcBef>
           <a:spcPct val="20000"/>
         </a:spcBef>
+        <a:spcAft>
+          <a:spcPct val="0"/>
+        </a:spcAft>
         <a:buClr>
           <a:schemeClr val="accent1">
-            <a:lumMod val="60000"/>
-            <a:lumOff val="40000"/>
+            <a:alpha val="100000"/>
           </a:schemeClr>
         </a:buClr>
-        <a:buSzPct val="110000"/>
-        <a:buFont typeface="Wingdings 2" pitchFamily="18" charset="2"/>
-        <a:buChar char=""/>
-        <a:defRPr lang="en-US" sz="1800" kern="1200" dirty="0">
+        <a:buFont typeface="Wingdings"/>
+        <a:buChar char=""/>
+        <a:defRPr sz="1400" b="1">
           <a:solidFill>
             <a:schemeClr val="tx1">
-              <a:lumMod val="65000"/>
-              <a:lumOff val="35000"/>
+              <a:alpha val="100000"/>
             </a:schemeClr>
           </a:solidFill>
           <a:latin typeface="+mn-lt"/>
-          <a:ea typeface="+mn-ea"/>
-          <a:cs typeface="+mn-cs"/>
         </a:defRPr>
       </a:lvl9pPr>
     </p:bodyStyle>
     <p:otherStyle>
-      <a:defPPr>
-        <a:defRPr/>
-      </a:defPPr>
-      <a:lvl1pPr marL="0" algn="l" defTabSz="914400" rtl="0" eaLnBrk="1" latinLnBrk="0" hangingPunct="1">
-        <a:defRPr sz="1800" kern="1200">
+      <a:lvl1pPr algn="l" eaLnBrk="1" fontAlgn="base" hangingPunct="1">
+        <a:spcBef>
+          <a:spcPct val="0"/>
+        </a:spcBef>
+        <a:spcAft>
+          <a:spcPct val="0"/>
+        </a:spcAft>
+        <a:defRPr>
           <a:solidFill>
-            <a:schemeClr val="tx1"/>
+            <a:schemeClr val="tx1">
+              <a:alpha val="100000"/>
+            </a:schemeClr>
           </a:solidFill>
-          <a:latin typeface="+mn-lt"/>
-          <a:ea typeface="+mn-ea"/>
-          <a:cs typeface="+mn-cs"/>
+          <a:latin typeface="Arial"/>
         </a:defRPr>
       </a:lvl1pPr>
-      <a:lvl2pPr marL="457200" algn="l" defTabSz="914400" rtl="0" eaLnBrk="1" latinLnBrk="0" hangingPunct="1">
-        <a:defRPr sz="1800" kern="1200">
+      <a:lvl2pPr marL="457200" algn="l" eaLnBrk="1" fontAlgn="base" hangingPunct="1">
+        <a:spcBef>
+          <a:spcPct val="0"/>
+        </a:spcBef>
+        <a:spcAft>
+          <a:spcPct val="0"/>
+        </a:spcAft>
+        <a:defRPr>
           <a:solidFill>
-            <a:schemeClr val="tx1"/>
+            <a:schemeClr val="tx1">
+              <a:alpha val="100000"/>
+            </a:schemeClr>
           </a:solidFill>
-          <a:latin typeface="+mn-lt"/>
-          <a:ea typeface="+mn-ea"/>
-          <a:cs typeface="+mn-cs"/>
+          <a:latin typeface="Arial"/>
         </a:defRPr>
       </a:lvl2pPr>
-      <a:lvl3pPr marL="914400" algn="l" defTabSz="914400" rtl="0" eaLnBrk="1" latinLnBrk="0" hangingPunct="1">
-        <a:defRPr sz="1800" kern="1200">
+      <a:lvl3pPr marL="914400" algn="l" eaLnBrk="1" fontAlgn="base" hangingPunct="1">
+        <a:spcBef>
+          <a:spcPct val="0"/>
+        </a:spcBef>
+        <a:spcAft>
+          <a:spcPct val="0"/>
+        </a:spcAft>
+        <a:defRPr>
           <a:solidFill>
-            <a:schemeClr val="tx1"/>
+            <a:schemeClr val="tx1">
+              <a:alpha val="100000"/>
+            </a:schemeClr>
           </a:solidFill>
-          <a:latin typeface="+mn-lt"/>
-          <a:ea typeface="+mn-ea"/>
-          <a:cs typeface="+mn-cs"/>
+          <a:latin typeface="Arial"/>
         </a:defRPr>
       </a:lvl3pPr>
-      <a:lvl4pPr marL="1371600" algn="l" defTabSz="914400" rtl="0" eaLnBrk="1" latinLnBrk="0" hangingPunct="1">
-        <a:defRPr sz="1800" kern="1200">
+      <a:lvl4pPr marL="1371600" algn="l" eaLnBrk="1" fontAlgn="base" hangingPunct="1">
+        <a:spcBef>
+          <a:spcPct val="0"/>
+        </a:spcBef>
+        <a:spcAft>
+          <a:spcPct val="0"/>
+        </a:spcAft>
+        <a:defRPr>
           <a:solidFill>
-            <a:schemeClr val="tx1"/>
+            <a:schemeClr val="tx1">
+              <a:alpha val="100000"/>
+            </a:schemeClr>
           </a:solidFill>
-          <a:latin typeface="+mn-lt"/>
-          <a:ea typeface="+mn-ea"/>
-          <a:cs typeface="+mn-cs"/>
+          <a:latin typeface="Arial"/>
         </a:defRPr>
       </a:lvl4pPr>
-      <a:lvl5pPr marL="1828800" algn="l" defTabSz="914400" rtl="0" eaLnBrk="1" latinLnBrk="0" hangingPunct="1">
-        <a:defRPr sz="1800" kern="1200">
+      <a:lvl5pPr marL="1828800" algn="l" eaLnBrk="1" fontAlgn="base" hangingPunct="1">
+        <a:spcBef>
+          <a:spcPct val="0"/>
+        </a:spcBef>
+        <a:spcAft>
+          <a:spcPct val="0"/>
+        </a:spcAft>
+        <a:defRPr>
           <a:solidFill>
-            <a:schemeClr val="tx1"/>
+            <a:schemeClr val="tx1">
+              <a:alpha val="100000"/>
+            </a:schemeClr>
           </a:solidFill>
-          <a:latin typeface="+mn-lt"/>
-          <a:ea typeface="+mn-ea"/>
-          <a:cs typeface="+mn-cs"/>
+          <a:latin typeface="Arial"/>
         </a:defRPr>
       </a:lvl5pPr>
-      <a:lvl6pPr marL="2286000" algn="l" defTabSz="914400" rtl="0" eaLnBrk="1" latinLnBrk="0" hangingPunct="1">
-        <a:defRPr sz="1800" kern="1200">
+      <a:lvl6pPr marL="2286000" algn="l" eaLnBrk="1" fontAlgn="base" hangingPunct="1">
+        <a:spcBef>
+          <a:spcPct val="0"/>
+        </a:spcBef>
+        <a:spcAft>
+          <a:spcPct val="0"/>
+        </a:spcAft>
+        <a:defRPr>
           <a:solidFill>
-            <a:schemeClr val="tx1"/>
+            <a:schemeClr val="tx1">
+              <a:alpha val="100000"/>
+            </a:schemeClr>
           </a:solidFill>
-          <a:latin typeface="+mn-lt"/>
-          <a:ea typeface="+mn-ea"/>
-          <a:cs typeface="+mn-cs"/>
+          <a:latin typeface="Arial"/>
         </a:defRPr>
       </a:lvl6pPr>
-      <a:lvl7pPr marL="2743200" algn="l" defTabSz="914400" rtl="0" eaLnBrk="1" latinLnBrk="0" hangingPunct="1">
-        <a:defRPr sz="1800" kern="1200">
+      <a:lvl7pPr marL="2743200" algn="l" eaLnBrk="1" fontAlgn="base" hangingPunct="1">
+        <a:spcBef>
+          <a:spcPct val="0"/>
+        </a:spcBef>
+        <a:spcAft>
+          <a:spcPct val="0"/>
+        </a:spcAft>
+        <a:defRPr>
           <a:solidFill>
-            <a:schemeClr val="tx1"/>
+            <a:schemeClr val="tx1">
+              <a:alpha val="100000"/>
+            </a:schemeClr>
           </a:solidFill>
-          <a:latin typeface="+mn-lt"/>
-          <a:ea typeface="+mn-ea"/>
-          <a:cs typeface="+mn-cs"/>
+          <a:latin typeface="Arial"/>
         </a:defRPr>
       </a:lvl7pPr>
-      <a:lvl8pPr marL="3200400" algn="l" defTabSz="914400" rtl="0" eaLnBrk="1" latinLnBrk="0" hangingPunct="1">
-        <a:defRPr sz="1800" kern="1200">
+      <a:lvl8pPr marL="3200400" algn="l" eaLnBrk="1" fontAlgn="base" hangingPunct="1">
+        <a:spcBef>
+          <a:spcPct val="0"/>
+        </a:spcBef>
+        <a:spcAft>
+          <a:spcPct val="0"/>
+        </a:spcAft>
+        <a:defRPr>
           <a:solidFill>
-            <a:schemeClr val="tx1"/>
+            <a:schemeClr val="tx1">
+              <a:alpha val="100000"/>
+            </a:schemeClr>
           </a:solidFill>
-          <a:latin typeface="+mn-lt"/>
-          <a:ea typeface="+mn-ea"/>
-          <a:cs typeface="+mn-cs"/>
+          <a:latin typeface="Arial"/>
         </a:defRPr>
       </a:lvl8pPr>
-      <a:lvl9pPr marL="3657600" algn="l" defTabSz="914400" rtl="0" eaLnBrk="1" latinLnBrk="0" hangingPunct="1">
-        <a:defRPr sz="1800" kern="1200">
+      <a:lvl9pPr marL="3657600" algn="l" eaLnBrk="1" fontAlgn="base" hangingPunct="1">
+        <a:spcBef>
+          <a:spcPct val="0"/>
+        </a:spcBef>
+        <a:spcAft>
+          <a:spcPct val="0"/>
+        </a:spcAft>
+        <a:defRPr>
           <a:solidFill>
-            <a:schemeClr val="tx1"/>
+            <a:schemeClr val="tx1">
+              <a:alpha val="100000"/>
+            </a:schemeClr>
           </a:solidFill>
-          <a:latin typeface="+mn-lt"/>
-          <a:ea typeface="+mn-ea"/>
-          <a:cs typeface="+mn-cs"/>
+          <a:latin typeface="Arial"/>
         </a:defRPr>
       </a:lvl9pPr>
     </p:otherStyle>
@@ -1914,6 +4521,9 @@
   <p:clrMapOvr>
     <a:masterClrMapping/>
   </p:clrMapOvr>
+  <p:transition>
+    <p:fade/>
+  </p:transition>
   <p:timing>
     <p:tnLst>
       <p:par>
@@ -3290,117 +5900,112 @@
 </file>
 
 <file path=ppt/theme/theme1.xml><?xml version="1.0" encoding="utf-8"?>
-<a:theme xmlns:a="http://schemas.openxmlformats.org/drawingml/2006/main" name="Breeze">
+<a:theme xmlns:a="http://schemas.openxmlformats.org/drawingml/2006/main" name="1_SapphireTemplate">
   <a:themeElements>
-    <a:clrScheme name="Breeze">
+    <a:clrScheme name="Sapphire">
       <a:dk1>
-        <a:sysClr val="windowText" lastClr="000000"/>
+        <a:srgbClr val="000000"/>
       </a:dk1>
       <a:lt1>
-        <a:sysClr val="window" lastClr="FFFFFF"/>
+        <a:srgbClr val="FFFFFF"/>
       </a:lt1>
       <a:dk2>
-        <a:srgbClr val="09213B"/>
+        <a:srgbClr val="000000"/>
       </a:dk2>
       <a:lt2>
-        <a:srgbClr val="D5EDF4"/>
+        <a:srgbClr val="FFFFFF"/>
       </a:lt2>
       <a:accent1>
-        <a:srgbClr val="2C7C9F"/>
+        <a:srgbClr val="A4D289"/>
       </a:accent1>
       <a:accent2>
-        <a:srgbClr val="244A58"/>
+        <a:srgbClr val="FFFFCC"/>
       </a:accent2>
       <a:accent3>
-        <a:srgbClr val="E2751D"/>
+        <a:srgbClr val="E2E2FF"/>
       </a:accent3>
       <a:accent4>
-        <a:srgbClr val="FFB400"/>
+        <a:srgbClr val="D8D8D8"/>
       </a:accent4>
       <a:accent5>
-        <a:srgbClr val="7EB606"/>
+        <a:srgbClr val="A5A5A5"/>
       </a:accent5>
       <a:accent6>
-        <a:srgbClr val="C00000"/>
+        <a:srgbClr val="EAD6FF"/>
       </a:accent6>
       <a:hlink>
-        <a:srgbClr val="7030A0"/>
+        <a:srgbClr val="002060"/>
       </a:hlink>
       <a:folHlink>
-        <a:srgbClr val="00B0F0"/>
+        <a:srgbClr val="002060"/>
       </a:folHlink>
     </a:clrScheme>
-    <a:fontScheme name="Breeze">
+    <a:fontScheme name="Sapphire">
       <a:majorFont>
-        <a:latin typeface="News Gothic MT"/>
+        <a:latin typeface="Myriad Pro"/>
         <a:ea typeface=""/>
         <a:cs typeface=""/>
-        <a:font script="Jpan" typeface="ＭＳ Ｐゴシック"/>
-        <a:font script="Hans" typeface="宋体"/>
-        <a:font script="Hant" typeface="新細明體"/>
       </a:majorFont>
       <a:minorFont>
-        <a:latin typeface="News Gothic MT"/>
+        <a:latin typeface="Myriad Pro Light"/>
         <a:ea typeface=""/>
         <a:cs typeface=""/>
-        <a:font script="Jpan" typeface="ＭＳ Ｐゴシック"/>
-        <a:font script="Hans" typeface="宋体"/>
-        <a:font script="Hant" typeface="新細明體"/>
       </a:minorFont>
     </a:fontScheme>
-    <a:fmtScheme name="Breeze">
+    <a:fmtScheme name="Office">
       <a:fillStyleLst>
         <a:solidFill>
           <a:schemeClr val="phClr"/>
         </a:solidFill>
         <a:gradFill rotWithShape="1">
           <a:gsLst>
-            <a:gs pos="31000">
+            <a:gs pos="0">
               <a:schemeClr val="phClr">
-                <a:tint val="100000"/>
-                <a:shade val="100000"/>
-                <a:satMod val="120000"/>
+                <a:tint val="50000"/>
+                <a:satMod val="300000"/>
+              </a:schemeClr>
+            </a:gs>
+            <a:gs pos="35000">
+              <a:schemeClr val="phClr">
+                <a:tint val="37000"/>
+                <a:satMod val="300000"/>
               </a:schemeClr>
             </a:gs>
             <a:gs pos="100000">
               <a:schemeClr val="phClr">
-                <a:tint val="50000"/>
-                <a:satMod val="150000"/>
+                <a:tint val="15000"/>
+                <a:satMod val="350000"/>
               </a:schemeClr>
             </a:gs>
           </a:gsLst>
-          <a:lin ang="5400000" scaled="1"/>
+          <a:lin ang="16200000" scaled="1"/>
         </a:gradFill>
         <a:gradFill rotWithShape="1">
           <a:gsLst>
             <a:gs pos="0">
               <a:schemeClr val="phClr">
-                <a:shade val="100000"/>
-                <a:satMod val="120000"/>
+                <a:shade val="40000"/>
+                <a:satMod val="155000"/>
               </a:schemeClr>
             </a:gs>
-            <a:gs pos="69000">
+            <a:gs pos="65000">
               <a:schemeClr val="phClr">
-                <a:tint val="80000"/>
-                <a:shade val="100000"/>
-                <a:satMod val="150000"/>
+                <a:shade val="85000"/>
+                <a:satMod val="155000"/>
               </a:schemeClr>
             </a:gs>
             <a:gs pos="100000">
               <a:schemeClr val="phClr">
-                <a:tint val="50000"/>
-                <a:shade val="100000"/>
-                <a:satMod val="150000"/>
+                <a:shade val="95000"/>
+                <a:satMod val="155000"/>
               </a:schemeClr>
             </a:gs>
           </a:gsLst>
-          <a:path path="circle">
-            <a:fillToRect l="100000" t="100000" r="100000" b="100000"/>
-          </a:path>
+          <a:lin ang="16200000" scaled="0"/>
         </a:gradFill>
       </a:fillStyleLst>
       <a:lnStyleLst>
-        <a:ln w="12700" cap="flat" cmpd="sng" algn="ctr">
+        <a:ln w="6350" cap="rnd" cmpd="sng" algn="ctr">
           <a:solidFill>
             <a:schemeClr val="phClr">
               <a:shade val="95000"/>
@@ -3409,13 +6014,13 @@
           </a:solidFill>
           <a:prstDash val="solid"/>
         </a:ln>
-        <a:ln w="25400" cap="flat" cmpd="dbl" algn="ctr">
+        <a:ln w="25400" cap="rnd" cmpd="sng" algn="ctr">
           <a:solidFill>
             <a:schemeClr val="phClr"/>
           </a:solidFill>
           <a:prstDash val="solid"/>
         </a:ln>
-        <a:ln w="31750" cap="flat" cmpd="dbl" algn="ctr">
+        <a:ln w="34925" cap="rnd" cmpd="sng" algn="ctr">
           <a:solidFill>
             <a:schemeClr val="phClr"/>
           </a:solidFill>
@@ -3424,38 +6029,41 @@
       </a:lnStyleLst>
       <a:effectStyleLst>
         <a:effectStyle>
-          <a:effectLst/>
-        </a:effectStyle>
-        <a:effectStyle>
           <a:effectLst>
-            <a:outerShdw blurRad="63500" dist="25400" dir="5400000" sx="101000" sy="101000" rotWithShape="0">
+            <a:outerShdw blurRad="50800" algn="tl" rotWithShape="0">
               <a:srgbClr val="000000">
-                <a:alpha val="40000"/>
+                <a:alpha val="64000"/>
               </a:srgbClr>
             </a:outerShdw>
           </a:effectLst>
         </a:effectStyle>
         <a:effectStyle>
           <a:effectLst>
-            <a:innerShdw blurRad="127000" dist="25400" dir="13500000">
-              <a:srgbClr val="C0C0C0">
-                <a:alpha val="75000"/>
+            <a:outerShdw blurRad="39000" dist="25400" dir="5400000">
+              <a:srgbClr val="000000">
+                <a:alpha val="35000"/>
               </a:srgbClr>
-            </a:innerShdw>
-            <a:outerShdw blurRad="88900" dist="25400" dir="5400000" sx="102000" sy="102000" algn="ctr" rotWithShape="0">
-              <a:srgbClr val="C0C0C0">
-                <a:alpha val="40000"/>
+            </a:outerShdw>
+          </a:effectLst>
+        </a:effectStyle>
+        <a:effectStyle>
+          <a:effectLst>
+            <a:outerShdw blurRad="39000" dist="25400" dir="5400000">
+              <a:srgbClr val="000000">
+                <a:alpha val="35000"/>
               </a:srgbClr>
             </a:outerShdw>
           </a:effectLst>
           <a:scene3d>
-            <a:camera prst="perspectiveLeft" fov="300000"/>
-            <a:lightRig rig="soft" dir="l">
-              <a:rot lat="0" lon="0" rev="4200000"/>
+            <a:camera prst="orthographicFront" fov="0">
+              <a:rot lat="0" lon="0" rev="0"/>
+            </a:camera>
+            <a:lightRig rig="threePt" dir="t">
+              <a:rot lat="0" lon="0" rev="0"/>
             </a:lightRig>
           </a:scene3d>
-          <a:sp3d extrusionH="38100" prstMaterial="powder">
-            <a:bevelT w="50800" h="88900" prst="convex"/>
+          <a:sp3d prstMaterial="matte">
+            <a:bevelT h="22225"/>
           </a:sp3d>
         </a:effectStyle>
       </a:effectStyleLst>
@@ -3467,91 +6075,544 @@
           <a:gsLst>
             <a:gs pos="0">
               <a:schemeClr val="phClr">
-                <a:tint val="40000"/>
-                <a:satMod val="350000"/>
+                <a:shade val="50000"/>
+                <a:satMod val="155000"/>
               </a:schemeClr>
             </a:gs>
-            <a:gs pos="40000">
+            <a:gs pos="35000">
               <a:schemeClr val="phClr">
-                <a:tint val="45000"/>
-                <a:shade val="99000"/>
-                <a:satMod val="350000"/>
+                <a:shade val="75000"/>
+                <a:satMod val="155000"/>
               </a:schemeClr>
             </a:gs>
             <a:gs pos="100000">
               <a:schemeClr val="phClr">
-                <a:shade val="20000"/>
+                <a:tint val="80000"/>
                 <a:satMod val="255000"/>
               </a:schemeClr>
             </a:gs>
           </a:gsLst>
+          <a:lin ang="16200000" scaled="0"/>
+        </a:gradFill>
+        <a:gradFill rotWithShape="1">
+          <a:gsLst>
+            <a:gs pos="0">
+              <a:schemeClr val="phClr">
+                <a:tint val="80000"/>
+                <a:satMod val="300000"/>
+              </a:schemeClr>
+            </a:gs>
+            <a:gs pos="100000">
+              <a:schemeClr val="phClr">
+                <a:shade val="30000"/>
+                <a:satMod val="200000"/>
+              </a:schemeClr>
+            </a:gs>
+          </a:gsLst>
           <a:path path="circle">
-            <a:fillToRect l="50000" t="-80000" r="50000" b="180000"/>
+            <a:fillToRect l="100000" t="100000" r="100000" b="100000"/>
           </a:path>
         </a:gradFill>
-        <a:blipFill rotWithShape="1">
-          <a:blip xmlns:r="http://schemas.openxmlformats.org/officeDocument/2006/relationships" r:embed="rId1">
-            <a:duotone>
-              <a:schemeClr val="phClr">
-                <a:shade val="40000"/>
-                <a:satMod val="400000"/>
-              </a:schemeClr>
-              <a:schemeClr val="phClr">
-                <a:tint val="10000"/>
-                <a:satMod val="200000"/>
-              </a:schemeClr>
-            </a:duotone>
-          </a:blip>
-          <a:stretch/>
-        </a:blipFill>
       </a:bgFillStyleLst>
     </a:fmtScheme>
   </a:themeElements>
   <a:objectDefaults>
     <a:spDef>
-      <a:spPr/>
-      <a:bodyPr rtlCol="0" anchor="ctr"/>
+      <a:spPr bwMode="auto">
+        <a:gradFill rotWithShape="1">
+          <a:gsLst>
+            <a:gs pos="0">
+              <a:srgbClr val="A4D289"/>
+            </a:gs>
+            <a:gs pos="100000">
+              <a:schemeClr val="bg1"/>
+            </a:gs>
+          </a:gsLst>
+          <a:lin ang="5400000" scaled="1"/>
+        </a:gradFill>
+        <a:ln w="9525" algn="ctr">
+          <a:solidFill>
+            <a:schemeClr val="tx1"/>
+          </a:solidFill>
+          <a:miter lim="800000"/>
+          <a:headEnd/>
+          <a:tailEnd/>
+        </a:ln>
+        <a:effectLst>
+          <a:outerShdw blurRad="50800" dist="38100" dir="2700000" algn="tl" rotWithShape="0">
+            <a:prstClr val="black">
+              <a:alpha val="40000"/>
+            </a:prstClr>
+          </a:outerShdw>
+        </a:effectLst>
+      </a:spPr>
+      <a:bodyPr wrap="none" anchor="ctr"/>
       <a:lstStyle>
-        <a:defPPr algn="ctr">
-          <a:defRPr/>
+        <a:defPPr>
+          <a:defRPr sz="2000" dirty="0">
+            <a:latin typeface="Tekton Pro" pitchFamily="34" charset="0"/>
+          </a:defRPr>
         </a:defPPr>
       </a:lstStyle>
-      <a:style>
-        <a:lnRef idx="1">
-          <a:schemeClr val="accent1"/>
-        </a:lnRef>
-        <a:fillRef idx="3">
-          <a:schemeClr val="accent1"/>
-        </a:fillRef>
-        <a:effectRef idx="2">
-          <a:schemeClr val="accent1"/>
-        </a:effectRef>
-        <a:fontRef idx="minor">
-          <a:schemeClr val="lt1"/>
-        </a:fontRef>
-      </a:style>
     </a:spDef>
     <a:lnDef>
-      <a:spPr/>
-      <a:bodyPr/>
-      <a:lstStyle/>
-      <a:style>
-        <a:lnRef idx="2">
-          <a:schemeClr val="accent1"/>
-        </a:lnRef>
-        <a:fillRef idx="0">
-          <a:schemeClr val="accent1"/>
-        </a:fillRef>
-        <a:effectRef idx="1">
-          <a:schemeClr val="accent1"/>
-        </a:effectRef>
-        <a:fontRef idx="minor">
-          <a:schemeClr val="tx1"/>
-        </a:fontRef>
-      </a:style>
+      <a:spPr bwMode="auto">
+        <a:xfrm>
+          <a:off x="0" y="0"/>
+          <a:ext cx="1" cy="1"/>
+        </a:xfrm>
+        <a:custGeom>
+          <a:avLst/>
+          <a:gdLst/>
+          <a:ahLst/>
+          <a:cxnLst/>
+          <a:rect l="0" t="0" r="0" b="0"/>
+          <a:pathLst/>
+        </a:custGeom>
+        <a:gradFill rotWithShape="1">
+          <a:gsLst>
+            <a:gs pos="0">
+              <a:srgbClr val="A4D289"/>
+            </a:gs>
+            <a:gs pos="100000">
+              <a:schemeClr val="bg1"/>
+            </a:gs>
+          </a:gsLst>
+          <a:lin ang="5400000" scaled="1"/>
+        </a:gradFill>
+        <a:ln w="9525" cap="flat" cmpd="sng" algn="ctr">
+          <a:solidFill>
+            <a:schemeClr val="tx1"/>
+          </a:solidFill>
+          <a:prstDash val="solid"/>
+          <a:round/>
+          <a:headEnd type="none" w="med" len="med"/>
+          <a:tailEnd type="none" w="med" len="med"/>
+        </a:ln>
+        <a:effectLst/>
+      </a:spPr>
+      <a:bodyPr vert="horz" wrap="none" lIns="91440" tIns="45720" rIns="91440" bIns="45720" anchor="ctr" compatLnSpc="1"/>
+      <a:lstStyle>
+        <a:defPPr marL="0" marR="0" indent="0" algn="ctr" defTabSz="914400" rtl="0" eaLnBrk="0" fontAlgn="base" latinLnBrk="0" hangingPunct="0">
+          <a:lnSpc>
+            <a:spcPct val="100000"/>
+          </a:lnSpc>
+          <a:spcBef>
+            <a:spcPct val="0"/>
+          </a:spcBef>
+          <a:spcAft>
+            <a:spcPct val="0"/>
+          </a:spcAft>
+          <a:buNone/>
+          <a:tabLst/>
+          <a:defRPr kumimoji="0" lang="en-US" sz="1600" b="1" i="0" u="none" strike="noStrike" baseline="0">
+            <a:solidFill>
+              <a:schemeClr val="tx1">
+                <a:alpha val="100000"/>
+              </a:schemeClr>
+            </a:solidFill>
+            <a:effectLst/>
+            <a:latin typeface="Arial"/>
+          </a:defRPr>
+        </a:defPPr>
+      </a:lstStyle>
     </a:lnDef>
+    <a:txDef>
+      <a:spPr bwMode="auto">
+        <a:noFill/>
+        <a:ln w="9525">
+          <a:noFill/>
+          <a:miter lim="800000"/>
+          <a:headEnd/>
+          <a:tailEnd/>
+        </a:ln>
+      </a:spPr>
+      <a:bodyPr wrap="none">
+        <a:spAutoFit/>
+      </a:bodyPr>
+      <a:lstStyle>
+        <a:defPPr>
+          <a:defRPr sz="1800" dirty="0">
+            <a:solidFill>
+              <a:srgbClr val="002060"/>
+            </a:solidFill>
+            <a:latin typeface="Tekton Pro" pitchFamily="34" charset="0"/>
+          </a:defRPr>
+        </a:defPPr>
+      </a:lstStyle>
+    </a:txDef>
   </a:objectDefaults>
-  <a:extraClrSchemeLst/>
+  <a:extraClrSchemeLst>
+    <a:extraClrScheme>
+      <a:clrScheme name="Watermark 1">
+        <a:dk1>
+          <a:srgbClr val="000000"/>
+        </a:dk1>
+        <a:lt1>
+          <a:srgbClr val="FFFFFF"/>
+        </a:lt1>
+        <a:dk2>
+          <a:srgbClr val="000000"/>
+        </a:dk2>
+        <a:lt2>
+          <a:srgbClr val="808080"/>
+        </a:lt2>
+        <a:accent1>
+          <a:srgbClr val="CCCCFF"/>
+        </a:accent1>
+        <a:accent2>
+          <a:srgbClr val="D9D8EC"/>
+        </a:accent2>
+        <a:accent3>
+          <a:srgbClr val="FFFFFF"/>
+        </a:accent3>
+        <a:accent4>
+          <a:srgbClr val="000000"/>
+        </a:accent4>
+        <a:accent5>
+          <a:srgbClr val="E2E2FF"/>
+        </a:accent5>
+        <a:accent6>
+          <a:srgbClr val="C4C4D6"/>
+        </a:accent6>
+        <a:hlink>
+          <a:srgbClr val="6767FF"/>
+        </a:hlink>
+        <a:folHlink>
+          <a:srgbClr val="9933FF"/>
+        </a:folHlink>
+      </a:clrScheme>
+      <a:clrMap bg1="lt1" tx1="dk1" bg2="lt2" tx2="dk2" accent1="accent1" accent2="accent2" accent3="accent3" accent4="accent4" accent5="accent5" accent6="accent6" hlink="hlink" folHlink="folHlink"/>
+    </a:extraClrScheme>
+    <a:extraClrScheme>
+      <a:clrScheme name="Watermark 2">
+        <a:dk1>
+          <a:srgbClr val="000000"/>
+        </a:dk1>
+        <a:lt1>
+          <a:srgbClr val="FFFFFF"/>
+        </a:lt1>
+        <a:dk2>
+          <a:srgbClr val="666633"/>
+        </a:dk2>
+        <a:lt2>
+          <a:srgbClr val="5F5F5F"/>
+        </a:lt2>
+        <a:accent1>
+          <a:srgbClr val="FFCC00"/>
+        </a:accent1>
+        <a:accent2>
+          <a:srgbClr val="EFF0B2"/>
+        </a:accent2>
+        <a:accent3>
+          <a:srgbClr val="FFFFFF"/>
+        </a:accent3>
+        <a:accent4>
+          <a:srgbClr val="000000"/>
+        </a:accent4>
+        <a:accent5>
+          <a:srgbClr val="FFE2AA"/>
+        </a:accent5>
+        <a:accent6>
+          <a:srgbClr val="D9D9A1"/>
+        </a:accent6>
+        <a:hlink>
+          <a:srgbClr val="808000"/>
+        </a:hlink>
+        <a:folHlink>
+          <a:srgbClr val="CCCC00"/>
+        </a:folHlink>
+      </a:clrScheme>
+      <a:clrMap bg1="lt1" tx1="dk1" bg2="lt2" tx2="dk2" accent1="accent1" accent2="accent2" accent3="accent3" accent4="accent4" accent5="accent5" accent6="accent6" hlink="hlink" folHlink="folHlink"/>
+    </a:extraClrScheme>
+    <a:extraClrScheme>
+      <a:clrScheme name="Watermark 3">
+        <a:dk1>
+          <a:srgbClr val="000000"/>
+        </a:dk1>
+        <a:lt1>
+          <a:srgbClr val="FFFFFF"/>
+        </a:lt1>
+        <a:dk2>
+          <a:srgbClr val="000000"/>
+        </a:dk2>
+        <a:lt2>
+          <a:srgbClr val="666699"/>
+        </a:lt2>
+        <a:accent1>
+          <a:srgbClr val="9BB0CB"/>
+        </a:accent1>
+        <a:accent2>
+          <a:srgbClr val="D1E0CE"/>
+        </a:accent2>
+        <a:accent3>
+          <a:srgbClr val="FFFFFF"/>
+        </a:accent3>
+        <a:accent4>
+          <a:srgbClr val="000000"/>
+        </a:accent4>
+        <a:accent5>
+          <a:srgbClr val="CBD4E2"/>
+        </a:accent5>
+        <a:accent6>
+          <a:srgbClr val="BDCBBA"/>
+        </a:accent6>
+        <a:hlink>
+          <a:srgbClr val="8EA642"/>
+        </a:hlink>
+        <a:folHlink>
+          <a:srgbClr val="CCCC00"/>
+        </a:folHlink>
+      </a:clrScheme>
+      <a:clrMap bg1="lt1" tx1="dk1" bg2="lt2" tx2="dk2" accent1="accent1" accent2="accent2" accent3="accent3" accent4="accent4" accent5="accent5" accent6="accent6" hlink="hlink" folHlink="folHlink"/>
+    </a:extraClrScheme>
+    <a:extraClrScheme>
+      <a:clrScheme name="Watermark 4">
+        <a:dk1>
+          <a:srgbClr val="333300"/>
+        </a:dk1>
+        <a:lt1>
+          <a:srgbClr val="FFFFCC"/>
+        </a:lt1>
+        <a:dk2>
+          <a:srgbClr val="336600"/>
+        </a:dk2>
+        <a:lt2>
+          <a:srgbClr val="FFFFCC"/>
+        </a:lt2>
+        <a:accent1>
+          <a:srgbClr val="99CC00"/>
+        </a:accent1>
+        <a:accent2>
+          <a:srgbClr val="669900"/>
+        </a:accent2>
+        <a:accent3>
+          <a:srgbClr val="ADB8AA"/>
+        </a:accent3>
+        <a:accent4>
+          <a:srgbClr val="DADAAE"/>
+        </a:accent4>
+        <a:accent5>
+          <a:srgbClr val="CAE2AA"/>
+        </a:accent5>
+        <a:accent6>
+          <a:srgbClr val="5C8A00"/>
+        </a:accent6>
+        <a:hlink>
+          <a:srgbClr val="CC9900"/>
+        </a:hlink>
+        <a:folHlink>
+          <a:srgbClr val="FFCC00"/>
+        </a:folHlink>
+      </a:clrScheme>
+      <a:clrMap bg1="dk2" tx1="lt1" bg2="dk1" tx2="lt2" accent1="accent1" accent2="accent2" accent3="accent3" accent4="accent4" accent5="accent5" accent6="accent6" hlink="hlink" folHlink="folHlink"/>
+    </a:extraClrScheme>
+    <a:extraClrScheme>
+      <a:clrScheme name="Watermark 5">
+        <a:dk1>
+          <a:srgbClr val="424458"/>
+        </a:dk1>
+        <a:lt1>
+          <a:srgbClr val="FFFFFF"/>
+        </a:lt1>
+        <a:dk2>
+          <a:srgbClr val="004A48"/>
+        </a:dk2>
+        <a:lt2>
+          <a:srgbClr val="FFFFFF"/>
+        </a:lt2>
+        <a:accent1>
+          <a:srgbClr val="83B200"/>
+        </a:accent1>
+        <a:accent2>
+          <a:srgbClr val="006260"/>
+        </a:accent2>
+        <a:accent3>
+          <a:srgbClr val="AAB1B1"/>
+        </a:accent3>
+        <a:accent4>
+          <a:srgbClr val="DADADA"/>
+        </a:accent4>
+        <a:accent5>
+          <a:srgbClr val="C1D5AA"/>
+        </a:accent5>
+        <a:accent6>
+          <a:srgbClr val="005856"/>
+        </a:accent6>
+        <a:hlink>
+          <a:srgbClr val="6666FF"/>
+        </a:hlink>
+        <a:folHlink>
+          <a:srgbClr val="B2B2B2"/>
+        </a:folHlink>
+      </a:clrScheme>
+      <a:clrMap bg1="dk2" tx1="lt1" bg2="dk1" tx2="lt2" accent1="accent1" accent2="accent2" accent3="accent3" accent4="accent4" accent5="accent5" accent6="accent6" hlink="hlink" folHlink="folHlink"/>
+    </a:extraClrScheme>
+    <a:extraClrScheme>
+      <a:clrScheme name="Watermark 6">
+        <a:dk1>
+          <a:srgbClr val="000000"/>
+        </a:dk1>
+        <a:lt1>
+          <a:srgbClr val="FFFFFF"/>
+        </a:lt1>
+        <a:dk2>
+          <a:srgbClr val="1C2046"/>
+        </a:dk2>
+        <a:lt2>
+          <a:srgbClr val="FFFFFF"/>
+        </a:lt2>
+        <a:accent1>
+          <a:srgbClr val="00CCFF"/>
+        </a:accent1>
+        <a:accent2>
+          <a:srgbClr val="2D226E"/>
+        </a:accent2>
+        <a:accent3>
+          <a:srgbClr val="ABABB0"/>
+        </a:accent3>
+        <a:accent4>
+          <a:srgbClr val="DADADA"/>
+        </a:accent4>
+        <a:accent5>
+          <a:srgbClr val="AAE2FF"/>
+        </a:accent5>
+        <a:accent6>
+          <a:srgbClr val="281E63"/>
+        </a:accent6>
+        <a:hlink>
+          <a:srgbClr val="666699"/>
+        </a:hlink>
+        <a:folHlink>
+          <a:srgbClr val="9999FF"/>
+        </a:folHlink>
+      </a:clrScheme>
+      <a:clrMap bg1="dk2" tx1="lt1" bg2="dk1" tx2="lt2" accent1="accent1" accent2="accent2" accent3="accent3" accent4="accent4" accent5="accent5" accent6="accent6" hlink="hlink" folHlink="folHlink"/>
+    </a:extraClrScheme>
+    <a:extraClrScheme>
+      <a:clrScheme name="Watermark 7">
+        <a:dk1>
+          <a:srgbClr val="424458"/>
+        </a:dk1>
+        <a:lt1>
+          <a:srgbClr val="FFFFFF"/>
+        </a:lt1>
+        <a:dk2>
+          <a:srgbClr val="000066"/>
+        </a:dk2>
+        <a:lt2>
+          <a:srgbClr val="FFFFFF"/>
+        </a:lt2>
+        <a:accent1>
+          <a:srgbClr val="6666FF"/>
+        </a:accent1>
+        <a:accent2>
+          <a:srgbClr val="333399"/>
+        </a:accent2>
+        <a:accent3>
+          <a:srgbClr val="AAAAB8"/>
+        </a:accent3>
+        <a:accent4>
+          <a:srgbClr val="DADADA"/>
+        </a:accent4>
+        <a:accent5>
+          <a:srgbClr val="B8B8FF"/>
+        </a:accent5>
+        <a:accent6>
+          <a:srgbClr val="2D2D8A"/>
+        </a:accent6>
+        <a:hlink>
+          <a:srgbClr val="FF9900"/>
+        </a:hlink>
+        <a:folHlink>
+          <a:srgbClr val="CCCC00"/>
+        </a:folHlink>
+      </a:clrScheme>
+      <a:clrMap bg1="dk2" tx1="lt1" bg2="dk1" tx2="lt2" accent1="accent1" accent2="accent2" accent3="accent3" accent4="accent4" accent5="accent5" accent6="accent6" hlink="hlink" folHlink="folHlink"/>
+    </a:extraClrScheme>
+    <a:extraClrScheme>
+      <a:clrScheme name="Watermark 8">
+        <a:dk1>
+          <a:srgbClr val="1C1C1C"/>
+        </a:dk1>
+        <a:lt1>
+          <a:srgbClr val="FFFFCC"/>
+        </a:lt1>
+        <a:dk2>
+          <a:srgbClr val="390B20"/>
+        </a:dk2>
+        <a:lt2>
+          <a:srgbClr val="FFFFCC"/>
+        </a:lt2>
+        <a:accent1>
+          <a:srgbClr val="FF916F"/>
+        </a:accent1>
+        <a:accent2>
+          <a:srgbClr val="561450"/>
+        </a:accent2>
+        <a:accent3>
+          <a:srgbClr val="AEAAAB"/>
+        </a:accent3>
+        <a:accent4>
+          <a:srgbClr val="DADAAE"/>
+        </a:accent4>
+        <a:accent5>
+          <a:srgbClr val="FFC7BB"/>
+        </a:accent5>
+        <a:accent6>
+          <a:srgbClr val="4D1148"/>
+        </a:accent6>
+        <a:hlink>
+          <a:srgbClr val="637D95"/>
+        </a:hlink>
+        <a:folHlink>
+          <a:srgbClr val="FFCC00"/>
+        </a:folHlink>
+      </a:clrScheme>
+      <a:clrMap bg1="dk2" tx1="lt1" bg2="dk1" tx2="lt2" accent1="accent1" accent2="accent2" accent3="accent3" accent4="accent4" accent5="accent5" accent6="accent6" hlink="hlink" folHlink="folHlink"/>
+    </a:extraClrScheme>
+    <a:extraClrScheme>
+      <a:clrScheme name="Watermark 9">
+        <a:dk1>
+          <a:srgbClr val="4C0000"/>
+        </a:dk1>
+        <a:lt1>
+          <a:srgbClr val="FFFFFF"/>
+        </a:lt1>
+        <a:dk2>
+          <a:srgbClr val="722104"/>
+        </a:dk2>
+        <a:lt2>
+          <a:srgbClr val="FFFFFF"/>
+        </a:lt2>
+        <a:accent1>
+          <a:srgbClr val="CC6600"/>
+        </a:accent1>
+        <a:accent2>
+          <a:srgbClr val="8A2E00"/>
+        </a:accent2>
+        <a:accent3>
+          <a:srgbClr val="BCABAA"/>
+        </a:accent3>
+        <a:accent4>
+          <a:srgbClr val="DADADA"/>
+        </a:accent4>
+        <a:accent5>
+          <a:srgbClr val="E2B8AA"/>
+        </a:accent5>
+        <a:accent6>
+          <a:srgbClr val="7D2900"/>
+        </a:accent6>
+        <a:hlink>
+          <a:srgbClr val="FFCC00"/>
+        </a:hlink>
+        <a:folHlink>
+          <a:srgbClr val="FF9900"/>
+        </a:folHlink>
+      </a:clrScheme>
+      <a:clrMap bg1="dk2" tx1="lt1" bg2="dk1" tx2="lt2" accent1="accent1" accent2="accent2" accent3="accent3" accent4="accent4" accent5="accent5" accent6="accent6" hlink="hlink" folHlink="folHlink"/>
+    </a:extraClrScheme>
+  </a:extraClrSchemeLst>
 </a:theme>
 </file>
 
@@ -4122,6 +7183,21 @@
 </file>
 
 <file path=customXml/item1.xml><?xml version="1.0" encoding="utf-8"?>
+<p:properties xmlns:p="http://schemas.microsoft.com/office/2006/metadata/properties" xmlns:xsi="http://www.w3.org/2001/XMLSchema-instance">
+  <documentManagement/>
+</p:properties>
+</file>
+
+<file path=customXml/item2.xml><?xml version="1.0" encoding="utf-8"?>
+<?mso-contentType ?>
+<FormTemplates xmlns="http://schemas.microsoft.com/sharepoint/v3/contenttype/forms">
+  <Display>DocumentLibraryForm</Display>
+  <Edit>DocumentLibraryForm</Edit>
+  <New>DocumentLibraryForm</New>
+</FormTemplates>
+</file>
+
+<file path=customXml/item3.xml><?xml version="1.0" encoding="utf-8"?>
 <ct:contentTypeSchema xmlns:ct="http://schemas.microsoft.com/office/2006/metadata/contentType" xmlns:ma="http://schemas.microsoft.com/office/2006/metadata/properties/metaAttributes" ct:_="" ma:_="" ma:contentTypeName="Document" ma:contentTypeID="0x0101003865B9DCC8F7FB4A82840FBDE1FC983A" ma:contentTypeVersion="0" ma:contentTypeDescription="Create a new document." ma:contentTypeScope="" ma:versionID="ecd0916681f32cda70880b341f4a8911">
   <xsd:schema xmlns:xsd="http://www.w3.org/2001/XMLSchema" xmlns:p="http://schemas.microsoft.com/office/2006/metadata/properties" targetNamespace="http://schemas.microsoft.com/office/2006/metadata/properties" ma:root="true" ma:fieldsID="4aeb20c0e3442673af7ee10786458764">
     <xsd:element name="properties">
@@ -4170,32 +7246,16 @@
 </ct:contentTypeSchema>
 </file>
 
-<file path=customXml/item2.xml><?xml version="1.0" encoding="utf-8"?>
-<?mso-contentType ?>
-<FormTemplates xmlns="http://schemas.microsoft.com/sharepoint/v3/contenttype/forms">
-  <Display>DocumentLibraryForm</Display>
-  <Edit>DocumentLibraryForm</Edit>
-  <New>DocumentLibraryForm</New>
-</FormTemplates>
-</file>
-
-<file path=customXml/item3.xml><?xml version="1.0" encoding="utf-8"?>
-<p:properties xmlns:p="http://schemas.microsoft.com/office/2006/metadata/properties" xmlns:xsi="http://www.w3.org/2001/XMLSchema-instance">
-  <documentManagement/>
-</p:properties>
-</file>
-
 <file path=customXml/itemProps1.xml><?xml version="1.0" encoding="utf-8"?>
-<ds:datastoreItem xmlns:ds="http://schemas.openxmlformats.org/officeDocument/2006/customXml" ds:itemID="{1DEB1AF8-B785-4B22-89EC-168618F34A5B}">
+<ds:datastoreItem xmlns:ds="http://schemas.openxmlformats.org/officeDocument/2006/customXml" ds:itemID="{2D498799-B0FC-4B7A-8396-BFC34D805990}">
   <ds:schemaRefs>
-    <ds:schemaRef ds:uri="http://schemas.microsoft.com/office/2006/metadata/contentType"/>
-    <ds:schemaRef ds:uri="http://schemas.microsoft.com/office/2006/metadata/properties/metaAttributes"/>
-    <ds:schemaRef ds:uri="http://www.w3.org/2001/XMLSchema"/>
     <ds:schemaRef ds:uri="http://schemas.microsoft.com/office/2006/metadata/properties"/>
+    <ds:schemaRef ds:uri="http://www.w3.org/XML/1998/namespace"/>
+    <ds:schemaRef ds:uri="http://purl.org/dc/terms/"/>
+    <ds:schemaRef ds:uri="http://schemas.microsoft.com/office/2006/documentManagement/types"/>
+    <ds:schemaRef ds:uri="http://purl.org/dc/elements/1.1/"/>
     <ds:schemaRef ds:uri="http://schemas.openxmlformats.org/package/2006/metadata/core-properties"/>
-    <ds:schemaRef ds:uri="http://purl.org/dc/elements/1.1/"/>
-    <ds:schemaRef ds:uri="http://purl.org/dc/terms/"/>
-    <ds:schemaRef ds:uri="http://schemas.microsoft.com/office/internal/2005/internalDocumentation"/>
+    <ds:schemaRef ds:uri="http://purl.org/dc/dcmitype/"/>
   </ds:schemaRefs>
 </ds:datastoreItem>
 </file>
@@ -4209,15 +7269,16 @@
 </file>
 
 <file path=customXml/itemProps3.xml><?xml version="1.0" encoding="utf-8"?>
-<ds:datastoreItem xmlns:ds="http://schemas.openxmlformats.org/officeDocument/2006/customXml" ds:itemID="{2D498799-B0FC-4B7A-8396-BFC34D805990}">
+<ds:datastoreItem xmlns:ds="http://schemas.openxmlformats.org/officeDocument/2006/customXml" ds:itemID="{1DEB1AF8-B785-4B22-89EC-168618F34A5B}">
   <ds:schemaRefs>
-    <ds:schemaRef ds:uri="http://purl.org/dc/dcmitype/"/>
+    <ds:schemaRef ds:uri="http://schemas.microsoft.com/office/2006/metadata/contentType"/>
+    <ds:schemaRef ds:uri="http://schemas.microsoft.com/office/2006/metadata/properties/metaAttributes"/>
+    <ds:schemaRef ds:uri="http://www.w3.org/2001/XMLSchema"/>
+    <ds:schemaRef ds:uri="http://schemas.microsoft.com/office/2006/metadata/properties"/>
+    <ds:schemaRef ds:uri="http://schemas.openxmlformats.org/package/2006/metadata/core-properties"/>
     <ds:schemaRef ds:uri="http://purl.org/dc/elements/1.1/"/>
-    <ds:schemaRef ds:uri="http://schemas.microsoft.com/office/2006/metadata/properties"/>
-    <ds:schemaRef ds:uri="http://schemas.microsoft.com/office/2006/documentManagement/types"/>
-    <ds:schemaRef ds:uri="http://www.w3.org/XML/1998/namespace"/>
     <ds:schemaRef ds:uri="http://purl.org/dc/terms/"/>
-    <ds:schemaRef ds:uri="http://schemas.openxmlformats.org/package/2006/metadata/core-properties"/>
+    <ds:schemaRef ds:uri="http://schemas.microsoft.com/office/internal/2005/internalDocumentation"/>
   </ds:schemaRefs>
 </ds:datastoreItem>
 </file>